--- a/adot-ecs-java-demo/Demo Architecture.pptx
+++ b/adot-ecs-java-demo/Demo Architecture.pptx
@@ -7,10 +7,12 @@
     <p:sldMasterId id="2147483662" r:id="rId3"/>
   </p:sldMasterIdLst>
   <p:notesMasterIdLst>
-    <p:notesMasterId r:id="rId5"/>
+    <p:notesMasterId r:id="rId7"/>
   </p:notesMasterIdLst>
   <p:sldIdLst>
     <p:sldId id="389" r:id="rId4"/>
+    <p:sldId id="393" r:id="rId5"/>
+    <p:sldId id="394" r:id="rId6"/>
   </p:sldIdLst>
   <p:sldSz cx="12192000" cy="6858000"/>
   <p:notesSz cx="6858000" cy="9144000"/>
@@ -145,6 +147,8 @@
         <p14:section name="Default Section" id="{CE059F9E-C46A-B547-B2F2-24DE96B4FEB2}">
           <p14:sldIdLst>
             <p14:sldId id="389"/>
+            <p14:sldId id="393"/>
+            <p14:sldId id="394"/>
           </p14:sldIdLst>
         </p14:section>
       </p14:sectionLst>
@@ -326,7 +330,7 @@
               <a:pPr>
                 <a:defRPr/>
               </a:pPr>
-              <a:t>2/17/23</a:t>
+              <a:t>7/20/23</a:t>
             </a:fld>
             <a:endParaRPr lang="en-US" dirty="0"/>
           </a:p>
@@ -749,6 +753,96 @@
     <p:extLst>
       <p:ext uri="{BB962C8B-B14F-4D97-AF65-F5344CB8AC3E}">
         <p14:creationId xmlns:p14="http://schemas.microsoft.com/office/powerpoint/2010/main" val="720328145"/>
+      </p:ext>
+    </p:extLst>
+  </p:cSld>
+  <p:clrMapOvr>
+    <a:masterClrMapping/>
+  </p:clrMapOvr>
+</p:notes>
+</file>
+
+<file path=ppt/notesSlides/notesSlide2.xml><?xml version="1.0" encoding="utf-8"?>
+<p:notes xmlns:a="http://schemas.openxmlformats.org/drawingml/2006/main" xmlns:r="http://schemas.openxmlformats.org/officeDocument/2006/relationships" xmlns:p="http://schemas.openxmlformats.org/presentationml/2006/main">
+  <p:cSld>
+    <p:spTree>
+      <p:nvGrpSpPr>
+        <p:cNvPr id="1" name=""/>
+        <p:cNvGrpSpPr/>
+        <p:nvPr/>
+      </p:nvGrpSpPr>
+      <p:grpSpPr>
+        <a:xfrm>
+          <a:off x="0" y="0"/>
+          <a:ext cx="0" cy="0"/>
+          <a:chOff x="0" y="0"/>
+          <a:chExt cx="0" cy="0"/>
+        </a:xfrm>
+      </p:grpSpPr>
+      <p:sp>
+        <p:nvSpPr>
+          <p:cNvPr id="2" name="Slide Image Placeholder 1"/>
+          <p:cNvSpPr>
+            <a:spLocks noGrp="1" noRot="1" noChangeAspect="1"/>
+          </p:cNvSpPr>
+          <p:nvPr>
+            <p:ph type="sldImg"/>
+          </p:nvPr>
+        </p:nvSpPr>
+        <p:spPr/>
+      </p:sp>
+      <p:sp>
+        <p:nvSpPr>
+          <p:cNvPr id="3" name="Notes Placeholder 2"/>
+          <p:cNvSpPr>
+            <a:spLocks noGrp="1"/>
+          </p:cNvSpPr>
+          <p:nvPr>
+            <p:ph type="body" idx="1"/>
+          </p:nvPr>
+        </p:nvSpPr>
+        <p:spPr/>
+        <p:txBody>
+          <a:bodyPr/>
+          <a:lstStyle/>
+          <a:p>
+            <a:endParaRPr lang="en-US"/>
+          </a:p>
+        </p:txBody>
+      </p:sp>
+      <p:sp>
+        <p:nvSpPr>
+          <p:cNvPr id="4" name="Slide Number Placeholder 3"/>
+          <p:cNvSpPr>
+            <a:spLocks noGrp="1"/>
+          </p:cNvSpPr>
+          <p:nvPr>
+            <p:ph type="sldNum" sz="quarter" idx="5"/>
+          </p:nvPr>
+        </p:nvSpPr>
+        <p:spPr/>
+        <p:txBody>
+          <a:bodyPr/>
+          <a:lstStyle/>
+          <a:p>
+            <a:pPr>
+              <a:defRPr/>
+            </a:pPr>
+            <a:fld id="{148E93DF-EC4A-7C45-AB6A-FC63BC432F2F}" type="slidenum">
+              <a:rPr lang="en-US"/>
+              <a:pPr>
+                <a:defRPr/>
+              </a:pPr>
+              <a:t>2</a:t>
+            </a:fld>
+            <a:endParaRPr lang="en-US" dirty="0"/>
+          </a:p>
+        </p:txBody>
+      </p:sp>
+    </p:spTree>
+    <p:extLst>
+      <p:ext uri="{BB962C8B-B14F-4D97-AF65-F5344CB8AC3E}">
+        <p14:creationId xmlns:p14="http://schemas.microsoft.com/office/powerpoint/2010/main" val="2849815699"/>
       </p:ext>
     </p:extLst>
   </p:cSld>
@@ -16466,10 +16560,10 @@
         </p:nvGrpSpPr>
         <p:grpSpPr>
           <a:xfrm>
-            <a:off x="2010307" y="2317403"/>
-            <a:ext cx="1440072" cy="1210963"/>
-            <a:chOff x="2545492" y="2619632"/>
-            <a:chExt cx="1440072" cy="1210963"/>
+            <a:off x="1526985" y="2544915"/>
+            <a:ext cx="1440072" cy="831288"/>
+            <a:chOff x="2545492" y="2619633"/>
+            <a:chExt cx="1440072" cy="831288"/>
           </a:xfrm>
         </p:grpSpPr>
         <p:sp>
@@ -16486,8 +16580,8 @@
           </p:nvSpPr>
           <p:spPr>
             <a:xfrm>
-              <a:off x="2545492" y="2619632"/>
-              <a:ext cx="1440072" cy="1210963"/>
+              <a:off x="2545492" y="2619633"/>
+              <a:ext cx="1440072" cy="831288"/>
             </a:xfrm>
             <a:prstGeom prst="rect">
               <a:avLst/>
@@ -16541,8 +16635,8 @@
           </p:nvSpPr>
           <p:spPr>
             <a:xfrm>
-              <a:off x="2701912" y="3040447"/>
-              <a:ext cx="1127232" cy="369332"/>
+              <a:off x="2852777" y="2896334"/>
+              <a:ext cx="816249" cy="276999"/>
             </a:xfrm>
             <a:prstGeom prst="rect">
               <a:avLst/>
@@ -16557,7 +16651,7 @@
             <a:p>
               <a:pPr algn="ctr"/>
               <a:r>
-                <a:rPr lang="en-CN" dirty="0">
+                <a:rPr lang="en-CN" sz="1200" dirty="0">
                   <a:solidFill>
                     <a:schemeClr val="tx2">
                       <a:lumMod val="20000"/>
@@ -16588,7 +16682,7 @@
         </p:nvGrpSpPr>
         <p:grpSpPr>
           <a:xfrm>
-            <a:off x="7721892" y="3429000"/>
+            <a:off x="4361819" y="3463162"/>
             <a:ext cx="1440072" cy="580768"/>
             <a:chOff x="2545492" y="2619633"/>
             <a:chExt cx="1440072" cy="580768"/>
@@ -16663,8 +16757,8 @@
           </p:nvSpPr>
           <p:spPr>
             <a:xfrm>
-              <a:off x="2651217" y="2771517"/>
-              <a:ext cx="1266693" cy="276999"/>
+              <a:off x="2651217" y="2667013"/>
+              <a:ext cx="1266692" cy="461665"/>
             </a:xfrm>
             <a:prstGeom prst="rect">
               <a:avLst/>
@@ -16693,6 +16787,23 @@
                 <a:t>ADOT Collector</a:t>
               </a:r>
             </a:p>
+            <a:p>
+              <a:pPr algn="ctr"/>
+              <a:r>
+                <a:rPr lang="en-CN" sz="1200" dirty="0">
+                  <a:solidFill>
+                    <a:schemeClr val="tx2">
+                      <a:lumMod val="20000"/>
+                      <a:lumOff val="80000"/>
+                    </a:schemeClr>
+                  </a:solidFill>
+                  <a:latin typeface="Amazon Ember" panose="020B0603020204020204" pitchFamily="34" charset="0"/>
+                  <a:ea typeface="Amazon Ember" panose="020B0603020204020204" pitchFamily="34" charset="0"/>
+                  <a:cs typeface="Amazon Ember" panose="020B0603020204020204" pitchFamily="34" charset="0"/>
+                </a:rPr>
+                <a:t>otlp exporter</a:t>
+              </a:r>
+            </a:p>
           </p:txBody>
         </p:sp>
       </p:grpSp>
@@ -16710,10 +16821,1668 @@
         </p:nvGrpSpPr>
         <p:grpSpPr>
           <a:xfrm>
-            <a:off x="2010307" y="4081074"/>
-            <a:ext cx="1440072" cy="580768"/>
+            <a:off x="1526985" y="4504530"/>
+            <a:ext cx="1440072" cy="591175"/>
+            <a:chOff x="2545492" y="2815578"/>
+            <a:chExt cx="1440072" cy="591175"/>
+          </a:xfrm>
+        </p:grpSpPr>
+        <p:sp>
+          <p:nvSpPr>
+            <p:cNvPr id="13" name="Rectangle 12">
+              <a:extLst>
+                <a:ext uri="{FF2B5EF4-FFF2-40B4-BE49-F238E27FC236}">
+                  <a16:creationId xmlns:a16="http://schemas.microsoft.com/office/drawing/2014/main" id="{DD62E7A6-C9AB-0F9A-E83C-475E5187AC53}"/>
+                </a:ext>
+              </a:extLst>
+            </p:cNvPr>
+            <p:cNvSpPr/>
+            <p:nvPr/>
+          </p:nvSpPr>
+          <p:spPr>
+            <a:xfrm>
+              <a:off x="2545492" y="2815578"/>
+              <a:ext cx="1440072" cy="580768"/>
+            </a:xfrm>
+            <a:prstGeom prst="rect">
+              <a:avLst/>
+            </a:prstGeom>
+            <a:solidFill>
+              <a:schemeClr val="tx1">
+                <a:lumMod val="50000"/>
+                <a:lumOff val="50000"/>
+              </a:schemeClr>
+            </a:solidFill>
+            <a:ln>
+              <a:noFill/>
+            </a:ln>
+          </p:spPr>
+          <p:style>
+            <a:lnRef idx="2">
+              <a:schemeClr val="accent1">
+                <a:shade val="50000"/>
+              </a:schemeClr>
+            </a:lnRef>
+            <a:fillRef idx="1">
+              <a:schemeClr val="accent1"/>
+            </a:fillRef>
+            <a:effectRef idx="0">
+              <a:schemeClr val="accent1"/>
+            </a:effectRef>
+            <a:fontRef idx="minor">
+              <a:schemeClr val="lt1"/>
+            </a:fontRef>
+          </p:style>
+          <p:txBody>
+            <a:bodyPr rtlCol="0" anchor="ctr"/>
+            <a:lstStyle/>
+            <a:p>
+              <a:pPr algn="ctr"/>
+              <a:endParaRPr lang="en-CN"/>
+            </a:p>
+          </p:txBody>
+        </p:sp>
+        <p:sp>
+          <p:nvSpPr>
+            <p:cNvPr id="14" name="TextBox 13">
+              <a:extLst>
+                <a:ext uri="{FF2B5EF4-FFF2-40B4-BE49-F238E27FC236}">
+                  <a16:creationId xmlns:a16="http://schemas.microsoft.com/office/drawing/2014/main" id="{8AD5E74A-B847-746B-C260-FDCF4CB308CE}"/>
+                </a:ext>
+              </a:extLst>
+            </p:cNvPr>
+            <p:cNvSpPr txBox="1"/>
+            <p:nvPr/>
+          </p:nvSpPr>
+          <p:spPr>
+            <a:xfrm>
+              <a:off x="2718124" y="2852755"/>
+              <a:ext cx="1085554" cy="553998"/>
+            </a:xfrm>
+            <a:prstGeom prst="rect">
+              <a:avLst/>
+            </a:prstGeom>
+            <a:noFill/>
+          </p:spPr>
+          <p:txBody>
+            <a:bodyPr wrap="none" rtlCol="0">
+              <a:spAutoFit/>
+            </a:bodyPr>
+            <a:lstStyle/>
+            <a:p>
+              <a:pPr algn="ctr"/>
+              <a:r>
+                <a:rPr lang="en-CN" sz="1000" dirty="0">
+                  <a:solidFill>
+                    <a:schemeClr val="tx2">
+                      <a:lumMod val="20000"/>
+                      <a:lumOff val="80000"/>
+                    </a:schemeClr>
+                  </a:solidFill>
+                  <a:latin typeface="Amazon Ember" panose="020B0603020204020204" pitchFamily="34" charset="0"/>
+                  <a:ea typeface="Amazon Ember" panose="020B0603020204020204" pitchFamily="34" charset="0"/>
+                  <a:cs typeface="Amazon Ember" panose="020B0603020204020204" pitchFamily="34" charset="0"/>
+                </a:rPr>
+                <a:t>ADOT Collector</a:t>
+              </a:r>
+            </a:p>
+            <a:p>
+              <a:pPr algn="ctr"/>
+              <a:r>
+                <a:rPr lang="en-CN" sz="1000" dirty="0">
+                  <a:solidFill>
+                    <a:schemeClr val="tx2">
+                      <a:lumMod val="20000"/>
+                      <a:lumOff val="80000"/>
+                    </a:schemeClr>
+                  </a:solidFill>
+                  <a:latin typeface="Amazon Ember" panose="020B0603020204020204" pitchFamily="34" charset="0"/>
+                  <a:ea typeface="Amazon Ember" panose="020B0603020204020204" pitchFamily="34" charset="0"/>
+                  <a:cs typeface="Amazon Ember" panose="020B0603020204020204" pitchFamily="34" charset="0"/>
+                </a:rPr>
+                <a:t>otlp exporter</a:t>
+              </a:r>
+            </a:p>
+            <a:p>
+              <a:pPr algn="ctr"/>
+              <a:r>
+                <a:rPr lang="en-CN" sz="1000" dirty="0">
+                  <a:solidFill>
+                    <a:schemeClr val="tx2">
+                      <a:lumMod val="20000"/>
+                      <a:lumOff val="80000"/>
+                    </a:schemeClr>
+                  </a:solidFill>
+                  <a:latin typeface="Amazon Ember" panose="020B0603020204020204" pitchFamily="34" charset="0"/>
+                  <a:ea typeface="Amazon Ember" panose="020B0603020204020204" pitchFamily="34" charset="0"/>
+                  <a:cs typeface="Amazon Ember" panose="020B0603020204020204" pitchFamily="34" charset="0"/>
+                </a:rPr>
+                <a:t>(Sidecar)</a:t>
+              </a:r>
+            </a:p>
+          </p:txBody>
+        </p:sp>
+      </p:grpSp>
+      <p:grpSp>
+        <p:nvGrpSpPr>
+          <p:cNvPr id="15" name="Group 14">
+            <a:extLst>
+              <a:ext uri="{FF2B5EF4-FFF2-40B4-BE49-F238E27FC236}">
+                <a16:creationId xmlns:a16="http://schemas.microsoft.com/office/drawing/2014/main" id="{365649AB-BA7A-A4F3-5057-E9E9A43FF954}"/>
+              </a:ext>
+            </a:extLst>
+          </p:cNvPr>
+          <p:cNvGrpSpPr/>
+          <p:nvPr/>
+        </p:nvGrpSpPr>
+        <p:grpSpPr>
+          <a:xfrm>
+            <a:off x="1526985" y="3615537"/>
+            <a:ext cx="1440072" cy="276999"/>
+            <a:chOff x="2739910" y="2771517"/>
+            <a:chExt cx="1440072" cy="276999"/>
+          </a:xfrm>
+        </p:grpSpPr>
+        <p:sp>
+          <p:nvSpPr>
+            <p:cNvPr id="16" name="Rectangle 15">
+              <a:extLst>
+                <a:ext uri="{FF2B5EF4-FFF2-40B4-BE49-F238E27FC236}">
+                  <a16:creationId xmlns:a16="http://schemas.microsoft.com/office/drawing/2014/main" id="{A364D11C-8D29-2DA4-B16F-BC67C971C300}"/>
+                </a:ext>
+              </a:extLst>
+            </p:cNvPr>
+            <p:cNvSpPr/>
+            <p:nvPr/>
+          </p:nvSpPr>
+          <p:spPr>
+            <a:xfrm>
+              <a:off x="2739910" y="2771517"/>
+              <a:ext cx="1440069" cy="276999"/>
+            </a:xfrm>
+            <a:prstGeom prst="rect">
+              <a:avLst/>
+            </a:prstGeom>
+            <a:solidFill>
+              <a:schemeClr val="accent2"/>
+            </a:solidFill>
+            <a:ln>
+              <a:noFill/>
+            </a:ln>
+          </p:spPr>
+          <p:style>
+            <a:lnRef idx="2">
+              <a:schemeClr val="accent1">
+                <a:shade val="50000"/>
+              </a:schemeClr>
+            </a:lnRef>
+            <a:fillRef idx="1">
+              <a:schemeClr val="accent1"/>
+            </a:fillRef>
+            <a:effectRef idx="0">
+              <a:schemeClr val="accent1"/>
+            </a:effectRef>
+            <a:fontRef idx="minor">
+              <a:schemeClr val="lt1"/>
+            </a:fontRef>
+          </p:style>
+          <p:txBody>
+            <a:bodyPr rtlCol="0" anchor="ctr"/>
+            <a:lstStyle/>
+            <a:p>
+              <a:pPr algn="ctr"/>
+              <a:endParaRPr lang="en-CN"/>
+            </a:p>
+          </p:txBody>
+        </p:sp>
+        <p:sp>
+          <p:nvSpPr>
+            <p:cNvPr id="17" name="TextBox 16">
+              <a:extLst>
+                <a:ext uri="{FF2B5EF4-FFF2-40B4-BE49-F238E27FC236}">
+                  <a16:creationId xmlns:a16="http://schemas.microsoft.com/office/drawing/2014/main" id="{46728275-F055-2BD8-8CD1-C2404A655070}"/>
+                </a:ext>
+              </a:extLst>
+            </p:cNvPr>
+            <p:cNvSpPr txBox="1"/>
+            <p:nvPr/>
+          </p:nvSpPr>
+          <p:spPr>
+            <a:xfrm>
+              <a:off x="2748362" y="2801804"/>
+              <a:ext cx="1431620" cy="215444"/>
+            </a:xfrm>
+            <a:prstGeom prst="rect">
+              <a:avLst/>
+            </a:prstGeom>
+            <a:noFill/>
+          </p:spPr>
+          <p:txBody>
+            <a:bodyPr wrap="square" rtlCol="0">
+              <a:spAutoFit/>
+            </a:bodyPr>
+            <a:lstStyle/>
+            <a:p>
+              <a:pPr algn="ctr"/>
+              <a:r>
+                <a:rPr lang="en-US" sz="800" b="1" i="0" dirty="0">
+                  <a:solidFill>
+                    <a:srgbClr val="E6EDF3"/>
+                  </a:solidFill>
+                  <a:effectLst/>
+                  <a:latin typeface="-apple-system"/>
+                </a:rPr>
+                <a:t>JMX Metric Gatherer</a:t>
+              </a:r>
+            </a:p>
+          </p:txBody>
+        </p:sp>
+      </p:grpSp>
+      <p:grpSp>
+        <p:nvGrpSpPr>
+          <p:cNvPr id="26" name="Group 25">
+            <a:extLst>
+              <a:ext uri="{FF2B5EF4-FFF2-40B4-BE49-F238E27FC236}">
+                <a16:creationId xmlns:a16="http://schemas.microsoft.com/office/drawing/2014/main" id="{B7BBC45C-3257-3119-A034-D7797B045526}"/>
+              </a:ext>
+            </a:extLst>
+          </p:cNvPr>
+          <p:cNvGrpSpPr/>
+          <p:nvPr/>
+        </p:nvGrpSpPr>
+        <p:grpSpPr>
+          <a:xfrm>
+            <a:off x="1334884" y="2068668"/>
+            <a:ext cx="1893467" cy="1903539"/>
+            <a:chOff x="1818206" y="1841157"/>
+            <a:chExt cx="1893467" cy="1903539"/>
+          </a:xfrm>
+        </p:grpSpPr>
+        <p:sp>
+          <p:nvSpPr>
+            <p:cNvPr id="18" name="TextBox 17">
+              <a:extLst>
+                <a:ext uri="{FF2B5EF4-FFF2-40B4-BE49-F238E27FC236}">
+                  <a16:creationId xmlns:a16="http://schemas.microsoft.com/office/drawing/2014/main" id="{7C981C03-EE62-00A6-A380-1067753575DC}"/>
+                </a:ext>
+              </a:extLst>
+            </p:cNvPr>
+            <p:cNvSpPr txBox="1"/>
+            <p:nvPr/>
+          </p:nvSpPr>
+          <p:spPr>
+            <a:xfrm>
+              <a:off x="1955154" y="1861062"/>
+              <a:ext cx="1226618" cy="276999"/>
+            </a:xfrm>
+            <a:prstGeom prst="rect">
+              <a:avLst/>
+            </a:prstGeom>
+            <a:noFill/>
+          </p:spPr>
+          <p:txBody>
+            <a:bodyPr wrap="none" rtlCol="0">
+              <a:spAutoFit/>
+            </a:bodyPr>
+            <a:lstStyle/>
+            <a:p>
+              <a:r>
+                <a:rPr lang="en-CN" sz="1200" b="1" dirty="0">
+                  <a:solidFill>
+                    <a:schemeClr val="tx2">
+                      <a:lumMod val="20000"/>
+                      <a:lumOff val="80000"/>
+                    </a:schemeClr>
+                  </a:solidFill>
+                  <a:latin typeface="Amazon Ember" panose="020B0603020204020204" pitchFamily="34" charset="0"/>
+                  <a:ea typeface="Amazon Ember" panose="020B0603020204020204" pitchFamily="34" charset="0"/>
+                  <a:cs typeface="Amazon Ember" panose="020B0603020204020204" pitchFamily="34" charset="0"/>
+                </a:rPr>
+                <a:t>App Container</a:t>
+              </a:r>
+            </a:p>
+          </p:txBody>
+        </p:sp>
+        <p:sp>
+          <p:nvSpPr>
+            <p:cNvPr id="19" name="Rectangle 18">
+              <a:extLst>
+                <a:ext uri="{FF2B5EF4-FFF2-40B4-BE49-F238E27FC236}">
+                  <a16:creationId xmlns:a16="http://schemas.microsoft.com/office/drawing/2014/main" id="{96449AF0-13F7-944F-F7F4-5B7C4F4C44FC}"/>
+                </a:ext>
+              </a:extLst>
+            </p:cNvPr>
+            <p:cNvSpPr/>
+            <p:nvPr/>
+          </p:nvSpPr>
+          <p:spPr>
+            <a:xfrm>
+              <a:off x="1818206" y="1841157"/>
+              <a:ext cx="1893467" cy="1903539"/>
+            </a:xfrm>
+            <a:prstGeom prst="rect">
+              <a:avLst/>
+            </a:prstGeom>
+            <a:noFill/>
+            <a:ln>
+              <a:solidFill>
+                <a:schemeClr val="tx1">
+                  <a:lumMod val="50000"/>
+                  <a:lumOff val="50000"/>
+                </a:schemeClr>
+              </a:solidFill>
+              <a:prstDash val="dash"/>
+            </a:ln>
+          </p:spPr>
+          <p:style>
+            <a:lnRef idx="2">
+              <a:schemeClr val="accent1">
+                <a:shade val="50000"/>
+              </a:schemeClr>
+            </a:lnRef>
+            <a:fillRef idx="1">
+              <a:schemeClr val="accent1"/>
+            </a:fillRef>
+            <a:effectRef idx="0">
+              <a:schemeClr val="accent1"/>
+            </a:effectRef>
+            <a:fontRef idx="minor">
+              <a:schemeClr val="lt1"/>
+            </a:fontRef>
+          </p:style>
+          <p:txBody>
+            <a:bodyPr rtlCol="0" anchor="ctr"/>
+            <a:lstStyle/>
+            <a:p>
+              <a:pPr algn="ctr"/>
+              <a:endParaRPr lang="en-CN"/>
+            </a:p>
+          </p:txBody>
+        </p:sp>
+      </p:grpSp>
+      <p:sp>
+        <p:nvSpPr>
+          <p:cNvPr id="22" name="Rectangle 21">
+            <a:extLst>
+              <a:ext uri="{FF2B5EF4-FFF2-40B4-BE49-F238E27FC236}">
+                <a16:creationId xmlns:a16="http://schemas.microsoft.com/office/drawing/2014/main" id="{9C3AC45D-AE61-201A-FE55-49938A26CF77}"/>
+              </a:ext>
+            </a:extLst>
+          </p:cNvPr>
+          <p:cNvSpPr/>
+          <p:nvPr/>
+        </p:nvSpPr>
+        <p:spPr>
+          <a:xfrm>
+            <a:off x="878940" y="1470024"/>
+            <a:ext cx="5338983" cy="3917951"/>
+          </a:xfrm>
+          <a:prstGeom prst="rect">
+            <a:avLst/>
+          </a:prstGeom>
+          <a:noFill/>
+          <a:ln>
+            <a:solidFill>
+              <a:schemeClr val="tx1">
+                <a:lumMod val="50000"/>
+                <a:lumOff val="50000"/>
+              </a:schemeClr>
+            </a:solidFill>
+            <a:prstDash val="dash"/>
+          </a:ln>
+        </p:spPr>
+        <p:style>
+          <a:lnRef idx="2">
+            <a:schemeClr val="accent1">
+              <a:shade val="50000"/>
+            </a:schemeClr>
+          </a:lnRef>
+          <a:fillRef idx="1">
+            <a:schemeClr val="accent1"/>
+          </a:fillRef>
+          <a:effectRef idx="0">
+            <a:schemeClr val="accent1"/>
+          </a:effectRef>
+          <a:fontRef idx="minor">
+            <a:schemeClr val="lt1"/>
+          </a:fontRef>
+        </p:style>
+        <p:txBody>
+          <a:bodyPr rtlCol="0" anchor="ctr"/>
+          <a:lstStyle/>
+          <a:p>
+            <a:pPr algn="ctr"/>
+            <a:endParaRPr lang="en-CN"/>
+          </a:p>
+        </p:txBody>
+      </p:sp>
+      <p:sp>
+        <p:nvSpPr>
+          <p:cNvPr id="23" name="TextBox 22">
+            <a:extLst>
+              <a:ext uri="{FF2B5EF4-FFF2-40B4-BE49-F238E27FC236}">
+                <a16:creationId xmlns:a16="http://schemas.microsoft.com/office/drawing/2014/main" id="{22AFC5FF-EE66-6EFC-81C6-FCE780E95C36}"/>
+              </a:ext>
+            </a:extLst>
+          </p:cNvPr>
+          <p:cNvSpPr txBox="1"/>
+          <p:nvPr/>
+        </p:nvSpPr>
+        <p:spPr>
+          <a:xfrm>
+            <a:off x="878940" y="1481118"/>
+            <a:ext cx="1893467" cy="369332"/>
+          </a:xfrm>
+          <a:prstGeom prst="rect">
+            <a:avLst/>
+          </a:prstGeom>
+          <a:noFill/>
+        </p:spPr>
+        <p:txBody>
+          <a:bodyPr wrap="none" rtlCol="0">
+            <a:spAutoFit/>
+          </a:bodyPr>
+          <a:lstStyle/>
+          <a:p>
+            <a:r>
+              <a:rPr lang="en-CN" dirty="0">
+                <a:solidFill>
+                  <a:schemeClr val="tx2">
+                    <a:lumMod val="20000"/>
+                    <a:lumOff val="80000"/>
+                  </a:schemeClr>
+                </a:solidFill>
+                <a:latin typeface="Amazon Ember" panose="020B0603020204020204" pitchFamily="34" charset="0"/>
+                <a:ea typeface="Amazon Ember" panose="020B0603020204020204" pitchFamily="34" charset="0"/>
+                <a:cs typeface="Amazon Ember" panose="020B0603020204020204" pitchFamily="34" charset="0"/>
+              </a:rPr>
+              <a:t>EKS/ECS Cluster</a:t>
+            </a:r>
+          </a:p>
+        </p:txBody>
+      </p:sp>
+      <p:cxnSp>
+        <p:nvCxnSpPr>
+          <p:cNvPr id="34" name="Straight Arrow Connector 33">
+            <a:extLst>
+              <a:ext uri="{FF2B5EF4-FFF2-40B4-BE49-F238E27FC236}">
+                <a16:creationId xmlns:a16="http://schemas.microsoft.com/office/drawing/2014/main" id="{1D4E55FA-CDB8-60EA-361C-8288C6E8AF98}"/>
+              </a:ext>
+            </a:extLst>
+          </p:cNvPr>
+          <p:cNvCxnSpPr>
+            <a:cxnSpLocks/>
+            <a:stCxn id="16" idx="2"/>
+            <a:endCxn id="13" idx="0"/>
+          </p:cNvCxnSpPr>
+          <p:nvPr/>
+        </p:nvCxnSpPr>
+        <p:spPr>
+          <a:xfrm>
+            <a:off x="2247020" y="3892536"/>
+            <a:ext cx="1" cy="611994"/>
+          </a:xfrm>
+          <a:prstGeom prst="straightConnector1">
+            <a:avLst/>
+          </a:prstGeom>
+          <a:ln>
+            <a:solidFill>
+              <a:schemeClr val="bg1"/>
+            </a:solidFill>
+            <a:headEnd type="none"/>
+            <a:tailEnd type="triangle"/>
+          </a:ln>
+        </p:spPr>
+        <p:style>
+          <a:lnRef idx="1">
+            <a:schemeClr val="accent1"/>
+          </a:lnRef>
+          <a:fillRef idx="0">
+            <a:schemeClr val="accent1"/>
+          </a:fillRef>
+          <a:effectRef idx="0">
+            <a:schemeClr val="accent1"/>
+          </a:effectRef>
+          <a:fontRef idx="minor">
+            <a:schemeClr val="tx1"/>
+          </a:fontRef>
+        </p:style>
+      </p:cxnSp>
+      <p:sp>
+        <p:nvSpPr>
+          <p:cNvPr id="33" name="TextBox 32">
+            <a:extLst>
+              <a:ext uri="{FF2B5EF4-FFF2-40B4-BE49-F238E27FC236}">
+                <a16:creationId xmlns:a16="http://schemas.microsoft.com/office/drawing/2014/main" id="{59FB56C6-55D5-282A-A9A7-76E8E298FDE4}"/>
+              </a:ext>
+            </a:extLst>
+          </p:cNvPr>
+          <p:cNvSpPr txBox="1"/>
+          <p:nvPr/>
+        </p:nvSpPr>
+        <p:spPr>
+          <a:xfrm>
+            <a:off x="248195" y="290497"/>
+            <a:ext cx="10524035" cy="523220"/>
+          </a:xfrm>
+          <a:prstGeom prst="rect">
+            <a:avLst/>
+          </a:prstGeom>
+          <a:noFill/>
+        </p:spPr>
+        <p:txBody>
+          <a:bodyPr wrap="none" rtlCol="0">
+            <a:spAutoFit/>
+          </a:bodyPr>
+          <a:lstStyle/>
+          <a:p>
+            <a:r>
+              <a:rPr lang="en-CN" sz="2800" dirty="0">
+                <a:solidFill>
+                  <a:schemeClr val="bg1"/>
+                </a:solidFill>
+                <a:latin typeface="Amazon Ember" panose="020B0603020204020204" pitchFamily="34" charset="0"/>
+                <a:ea typeface="Amazon Ember" panose="020B0603020204020204" pitchFamily="34" charset="0"/>
+                <a:cs typeface="Amazon Ember" panose="020B0603020204020204" pitchFamily="34" charset="0"/>
+              </a:rPr>
+              <a:t>Collect JMX Metrics using OpenTelemetry JMX Metrics Gatherer</a:t>
+            </a:r>
+          </a:p>
+        </p:txBody>
+      </p:sp>
+      <p:sp>
+        <p:nvSpPr>
+          <p:cNvPr id="35" name="TextBox 34">
+            <a:extLst>
+              <a:ext uri="{FF2B5EF4-FFF2-40B4-BE49-F238E27FC236}">
+                <a16:creationId xmlns:a16="http://schemas.microsoft.com/office/drawing/2014/main" id="{EB6A89AA-C386-9400-41A2-AA02F5C22160}"/>
+              </a:ext>
+            </a:extLst>
+          </p:cNvPr>
+          <p:cNvSpPr txBox="1"/>
+          <p:nvPr/>
+        </p:nvSpPr>
+        <p:spPr>
+          <a:xfrm>
+            <a:off x="878940" y="5511704"/>
+            <a:ext cx="3438762" cy="461665"/>
+          </a:xfrm>
+          <a:prstGeom prst="rect">
+            <a:avLst/>
+          </a:prstGeom>
+          <a:noFill/>
+        </p:spPr>
+        <p:txBody>
+          <a:bodyPr wrap="none" rtlCol="0">
+            <a:spAutoFit/>
+          </a:bodyPr>
+          <a:lstStyle/>
+          <a:p>
+            <a:r>
+              <a:rPr lang="en-CN" sz="1200" dirty="0">
+                <a:solidFill>
+                  <a:schemeClr val="bg1"/>
+                </a:solidFill>
+                <a:latin typeface="Amazon Ember" panose="020B0603020204020204" pitchFamily="34" charset="0"/>
+                <a:ea typeface="Amazon Ember" panose="020B0603020204020204" pitchFamily="34" charset="0"/>
+                <a:cs typeface="Amazon Ember" panose="020B0603020204020204" pitchFamily="34" charset="0"/>
+              </a:rPr>
+              <a:t>Option 1: setup ADOT Collector as sidecar</a:t>
+            </a:r>
+          </a:p>
+          <a:p>
+            <a:r>
+              <a:rPr lang="en-CN" sz="1200" dirty="0">
+                <a:solidFill>
+                  <a:schemeClr val="bg1"/>
+                </a:solidFill>
+                <a:latin typeface="Amazon Ember" panose="020B0603020204020204" pitchFamily="34" charset="0"/>
+                <a:ea typeface="Amazon Ember" panose="020B0603020204020204" pitchFamily="34" charset="0"/>
+                <a:cs typeface="Amazon Ember" panose="020B0603020204020204" pitchFamily="34" charset="0"/>
+              </a:rPr>
+              <a:t>Option 2: setup ADOT Collector independently</a:t>
+            </a:r>
+          </a:p>
+        </p:txBody>
+      </p:sp>
+      <p:sp>
+        <p:nvSpPr>
+          <p:cNvPr id="36" name="TextBox 35">
+            <a:extLst>
+              <a:ext uri="{FF2B5EF4-FFF2-40B4-BE49-F238E27FC236}">
+                <a16:creationId xmlns:a16="http://schemas.microsoft.com/office/drawing/2014/main" id="{F2B91E69-BF25-28A6-078A-CAA2E60F16DA}"/>
+              </a:ext>
+            </a:extLst>
+          </p:cNvPr>
+          <p:cNvSpPr txBox="1"/>
+          <p:nvPr/>
+        </p:nvSpPr>
+        <p:spPr>
+          <a:xfrm>
+            <a:off x="2216645" y="3934542"/>
+            <a:ext cx="763351" cy="276999"/>
+          </a:xfrm>
+          <a:prstGeom prst="rect">
+            <a:avLst/>
+          </a:prstGeom>
+          <a:noFill/>
+        </p:spPr>
+        <p:txBody>
+          <a:bodyPr wrap="none" rtlCol="0">
+            <a:spAutoFit/>
+          </a:bodyPr>
+          <a:lstStyle/>
+          <a:p>
+            <a:r>
+              <a:rPr lang="en-CN" sz="1200" dirty="0">
+                <a:solidFill>
+                  <a:schemeClr val="accent2"/>
+                </a:solidFill>
+                <a:latin typeface="Amazon Ember" panose="020B0603020204020204" pitchFamily="34" charset="0"/>
+                <a:ea typeface="Amazon Ember" panose="020B0603020204020204" pitchFamily="34" charset="0"/>
+                <a:cs typeface="Amazon Ember" panose="020B0603020204020204" pitchFamily="34" charset="0"/>
+              </a:rPr>
+              <a:t>Option1</a:t>
+            </a:r>
+          </a:p>
+        </p:txBody>
+      </p:sp>
+      <p:sp>
+        <p:nvSpPr>
+          <p:cNvPr id="37" name="TextBox 36">
+            <a:extLst>
+              <a:ext uri="{FF2B5EF4-FFF2-40B4-BE49-F238E27FC236}">
+                <a16:creationId xmlns:a16="http://schemas.microsoft.com/office/drawing/2014/main" id="{AD43B5F7-8A26-F09F-EB2D-A63D38AEB0DF}"/>
+              </a:ext>
+            </a:extLst>
+          </p:cNvPr>
+          <p:cNvSpPr txBox="1"/>
+          <p:nvPr/>
+        </p:nvSpPr>
+        <p:spPr>
+          <a:xfrm>
+            <a:off x="3337210" y="3476546"/>
+            <a:ext cx="763351" cy="276999"/>
+          </a:xfrm>
+          <a:prstGeom prst="rect">
+            <a:avLst/>
+          </a:prstGeom>
+          <a:noFill/>
+        </p:spPr>
+        <p:txBody>
+          <a:bodyPr wrap="none" rtlCol="0">
+            <a:spAutoFit/>
+          </a:bodyPr>
+          <a:lstStyle/>
+          <a:p>
+            <a:r>
+              <a:rPr lang="en-CN" sz="1200" dirty="0">
+                <a:solidFill>
+                  <a:schemeClr val="accent2"/>
+                </a:solidFill>
+                <a:latin typeface="Amazon Ember" panose="020B0603020204020204" pitchFamily="34" charset="0"/>
+                <a:ea typeface="Amazon Ember" panose="020B0603020204020204" pitchFamily="34" charset="0"/>
+                <a:cs typeface="Amazon Ember" panose="020B0603020204020204" pitchFamily="34" charset="0"/>
+              </a:rPr>
+              <a:t>Option2</a:t>
+            </a:r>
+          </a:p>
+        </p:txBody>
+      </p:sp>
+      <p:cxnSp>
+        <p:nvCxnSpPr>
+          <p:cNvPr id="41" name="Straight Arrow Connector 40">
+            <a:extLst>
+              <a:ext uri="{FF2B5EF4-FFF2-40B4-BE49-F238E27FC236}">
+                <a16:creationId xmlns:a16="http://schemas.microsoft.com/office/drawing/2014/main" id="{57F6EB6A-42CD-F358-583D-7B2A448ADA0E}"/>
+              </a:ext>
+            </a:extLst>
+          </p:cNvPr>
+          <p:cNvCxnSpPr>
+            <a:cxnSpLocks/>
+            <a:stCxn id="17" idx="3"/>
+            <a:endCxn id="8" idx="1"/>
+          </p:cNvCxnSpPr>
+          <p:nvPr/>
+        </p:nvCxnSpPr>
+        <p:spPr>
+          <a:xfrm>
+            <a:off x="2967057" y="3753546"/>
+            <a:ext cx="1394762" cy="0"/>
+          </a:xfrm>
+          <a:prstGeom prst="straightConnector1">
+            <a:avLst/>
+          </a:prstGeom>
+          <a:ln>
+            <a:solidFill>
+              <a:schemeClr val="bg1"/>
+            </a:solidFill>
+            <a:tailEnd type="triangle"/>
+          </a:ln>
+        </p:spPr>
+        <p:style>
+          <a:lnRef idx="1">
+            <a:schemeClr val="accent1"/>
+          </a:lnRef>
+          <a:fillRef idx="0">
+            <a:schemeClr val="accent1"/>
+          </a:fillRef>
+          <a:effectRef idx="0">
+            <a:schemeClr val="accent1"/>
+          </a:effectRef>
+          <a:fontRef idx="minor">
+            <a:schemeClr val="tx1"/>
+          </a:fontRef>
+        </p:style>
+      </p:cxnSp>
+      <p:sp>
+        <p:nvSpPr>
+          <p:cNvPr id="42" name="TextBox 41">
+            <a:extLst>
+              <a:ext uri="{FF2B5EF4-FFF2-40B4-BE49-F238E27FC236}">
+                <a16:creationId xmlns:a16="http://schemas.microsoft.com/office/drawing/2014/main" id="{8DC96019-6A02-4763-E131-FCCEA5AAA81A}"/>
+              </a:ext>
+            </a:extLst>
+          </p:cNvPr>
+          <p:cNvSpPr txBox="1"/>
+          <p:nvPr/>
+        </p:nvSpPr>
+        <p:spPr>
+          <a:xfrm>
+            <a:off x="7155446" y="1614070"/>
+            <a:ext cx="4071929" cy="3416320"/>
+          </a:xfrm>
+          <a:prstGeom prst="rect">
+            <a:avLst/>
+          </a:prstGeom>
+          <a:noFill/>
+        </p:spPr>
+        <p:txBody>
+          <a:bodyPr wrap="square" rtlCol="0">
+            <a:spAutoFit/>
+          </a:bodyPr>
+          <a:lstStyle>
+            <a:defPPr>
+              <a:defRPr lang="en-US"/>
+            </a:defPPr>
+            <a:lvl1pPr>
+              <a:defRPr>
+                <a:solidFill>
+                  <a:schemeClr val="bg1"/>
+                </a:solidFill>
+                <a:latin typeface="Amazon Ember" panose="020B0603020204020204" pitchFamily="34" charset="0"/>
+                <a:ea typeface="Amazon Ember" panose="020B0603020204020204" pitchFamily="34" charset="0"/>
+                <a:cs typeface="Amazon Ember" panose="020B0603020204020204" pitchFamily="34" charset="0"/>
+              </a:defRPr>
+            </a:lvl1pPr>
+          </a:lstStyle>
+          <a:p>
+            <a:r>
+              <a:rPr lang="en-US" b="1" dirty="0">
+                <a:solidFill>
+                  <a:schemeClr val="accent2"/>
+                </a:solidFill>
+                <a:hlinkClick r:id="rId3">
+                  <a:extLst>
+                    <a:ext uri="{A12FA001-AC4F-418D-AE19-62706E023703}">
+                      <ahyp:hlinkClr xmlns:ahyp="http://schemas.microsoft.com/office/drawing/2018/hyperlinkcolor" val="tx"/>
+                    </a:ext>
+                  </a:extLst>
+                </a:hlinkClick>
+              </a:rPr>
+              <a:t>JMX Metric Gatherer </a:t>
+            </a:r>
+            <a:r>
+              <a:rPr lang="en-US" b="1" dirty="0">
+                <a:solidFill>
+                  <a:schemeClr val="accent2"/>
+                </a:solidFill>
+              </a:rPr>
+              <a:t> </a:t>
+            </a:r>
+            <a:r>
+              <a:rPr lang="en-US" dirty="0"/>
+              <a:t>provides an easy framework for gathering and reporting metrics based on queried </a:t>
+            </a:r>
+            <a:r>
+              <a:rPr lang="en-US" dirty="0" err="1"/>
+              <a:t>MBeans</a:t>
+            </a:r>
+            <a:r>
+              <a:rPr lang="en-US" dirty="0"/>
+              <a:t> from a JMX server. </a:t>
+            </a:r>
+          </a:p>
+          <a:p>
+            <a:endParaRPr lang="en-US" dirty="0"/>
+          </a:p>
+          <a:p>
+            <a:r>
+              <a:rPr lang="en-US" dirty="0"/>
+              <a:t>It loads an included or custom Groovy script and establishes a helpful, bound </a:t>
+            </a:r>
+            <a:r>
+              <a:rPr lang="en-US" dirty="0" err="1"/>
+              <a:t>otel</a:t>
+            </a:r>
+            <a:r>
+              <a:rPr lang="en-US" dirty="0"/>
+              <a:t> object with methods for obtaining </a:t>
+            </a:r>
+            <a:r>
+              <a:rPr lang="en-US" dirty="0" err="1"/>
+              <a:t>MBeans</a:t>
+            </a:r>
+            <a:r>
+              <a:rPr lang="en-US" dirty="0"/>
+              <a:t> and constructing </a:t>
+            </a:r>
+            <a:r>
+              <a:rPr lang="en-US" dirty="0" err="1"/>
+              <a:t>OpenTelemetry</a:t>
+            </a:r>
+            <a:r>
+              <a:rPr lang="en-US" dirty="0"/>
+              <a:t> instruments.</a:t>
+            </a:r>
+          </a:p>
+          <a:p>
+            <a:endParaRPr lang="en-CN" dirty="0"/>
+          </a:p>
+        </p:txBody>
+      </p:sp>
+      <p:cxnSp>
+        <p:nvCxnSpPr>
+          <p:cNvPr id="49" name="Straight Arrow Connector 48">
+            <a:extLst>
+              <a:ext uri="{FF2B5EF4-FFF2-40B4-BE49-F238E27FC236}">
+                <a16:creationId xmlns:a16="http://schemas.microsoft.com/office/drawing/2014/main" id="{94A143A5-74A8-A0A3-903D-C767BADDD80F}"/>
+              </a:ext>
+            </a:extLst>
+          </p:cNvPr>
+          <p:cNvCxnSpPr>
+            <a:cxnSpLocks/>
+            <a:stCxn id="3" idx="2"/>
+            <a:endCxn id="16" idx="0"/>
+          </p:cNvCxnSpPr>
+          <p:nvPr/>
+        </p:nvCxnSpPr>
+        <p:spPr>
+          <a:xfrm flipH="1">
+            <a:off x="2247020" y="3376203"/>
+            <a:ext cx="1" cy="239334"/>
+          </a:xfrm>
+          <a:prstGeom prst="straightConnector1">
+            <a:avLst/>
+          </a:prstGeom>
+          <a:ln>
+            <a:solidFill>
+              <a:schemeClr val="bg1"/>
+            </a:solidFill>
+            <a:headEnd type="none"/>
+            <a:tailEnd type="triangle"/>
+          </a:ln>
+        </p:spPr>
+        <p:style>
+          <a:lnRef idx="1">
+            <a:schemeClr val="accent1"/>
+          </a:lnRef>
+          <a:fillRef idx="0">
+            <a:schemeClr val="accent1"/>
+          </a:fillRef>
+          <a:effectRef idx="0">
+            <a:schemeClr val="accent1"/>
+          </a:effectRef>
+          <a:fontRef idx="minor">
+            <a:schemeClr val="tx1"/>
+          </a:fontRef>
+        </p:style>
+      </p:cxnSp>
+      <p:sp>
+        <p:nvSpPr>
+          <p:cNvPr id="53" name="Rectangle 52">
+            <a:extLst>
+              <a:ext uri="{FF2B5EF4-FFF2-40B4-BE49-F238E27FC236}">
+                <a16:creationId xmlns:a16="http://schemas.microsoft.com/office/drawing/2014/main" id="{B71A0574-A74B-B57F-98C2-8119E28368AD}"/>
+              </a:ext>
+            </a:extLst>
+          </p:cNvPr>
+          <p:cNvSpPr/>
+          <p:nvPr/>
+        </p:nvSpPr>
+        <p:spPr>
+          <a:xfrm>
+            <a:off x="1334883" y="4190425"/>
+            <a:ext cx="1893467" cy="980520"/>
+          </a:xfrm>
+          <a:prstGeom prst="rect">
+            <a:avLst/>
+          </a:prstGeom>
+          <a:noFill/>
+          <a:ln>
+            <a:solidFill>
+              <a:schemeClr val="tx1">
+                <a:lumMod val="50000"/>
+                <a:lumOff val="50000"/>
+              </a:schemeClr>
+            </a:solidFill>
+            <a:prstDash val="dash"/>
+          </a:ln>
+        </p:spPr>
+        <p:style>
+          <a:lnRef idx="2">
+            <a:schemeClr val="accent1">
+              <a:shade val="50000"/>
+            </a:schemeClr>
+          </a:lnRef>
+          <a:fillRef idx="1">
+            <a:schemeClr val="accent1"/>
+          </a:fillRef>
+          <a:effectRef idx="0">
+            <a:schemeClr val="accent1"/>
+          </a:effectRef>
+          <a:fontRef idx="minor">
+            <a:schemeClr val="lt1"/>
+          </a:fontRef>
+        </p:style>
+        <p:txBody>
+          <a:bodyPr rtlCol="0" anchor="ctr"/>
+          <a:lstStyle/>
+          <a:p>
+            <a:pPr algn="ctr"/>
+            <a:endParaRPr lang="en-CN"/>
+          </a:p>
+        </p:txBody>
+      </p:sp>
+      <p:sp>
+        <p:nvSpPr>
+          <p:cNvPr id="54" name="TextBox 53">
+            <a:extLst>
+              <a:ext uri="{FF2B5EF4-FFF2-40B4-BE49-F238E27FC236}">
+                <a16:creationId xmlns:a16="http://schemas.microsoft.com/office/drawing/2014/main" id="{AB2C9A4F-6E72-67E0-3B96-871E8E40B375}"/>
+              </a:ext>
+            </a:extLst>
+          </p:cNvPr>
+          <p:cNvSpPr txBox="1"/>
+          <p:nvPr/>
+        </p:nvSpPr>
+        <p:spPr>
+          <a:xfrm>
+            <a:off x="1471832" y="4211507"/>
+            <a:ext cx="1590500" cy="276999"/>
+          </a:xfrm>
+          <a:prstGeom prst="rect">
+            <a:avLst/>
+          </a:prstGeom>
+          <a:noFill/>
+        </p:spPr>
+        <p:txBody>
+          <a:bodyPr wrap="none" rtlCol="0">
+            <a:spAutoFit/>
+          </a:bodyPr>
+          <a:lstStyle/>
+          <a:p>
+            <a:r>
+              <a:rPr lang="en-CN" sz="1200" b="1" dirty="0">
+                <a:solidFill>
+                  <a:schemeClr val="tx2">
+                    <a:lumMod val="20000"/>
+                    <a:lumOff val="80000"/>
+                  </a:schemeClr>
+                </a:solidFill>
+                <a:latin typeface="Amazon Ember" panose="020B0603020204020204" pitchFamily="34" charset="0"/>
+                <a:ea typeface="Amazon Ember" panose="020B0603020204020204" pitchFamily="34" charset="0"/>
+                <a:cs typeface="Amazon Ember" panose="020B0603020204020204" pitchFamily="34" charset="0"/>
+              </a:rPr>
+              <a:t>Collector Container</a:t>
+            </a:r>
+          </a:p>
+        </p:txBody>
+      </p:sp>
+    </p:spTree>
+  </p:cSld>
+  <p:clrMapOvr>
+    <a:masterClrMapping/>
+  </p:clrMapOvr>
+</p:sld>
+</file>
+
+<file path=ppt/slides/slide2.xml><?xml version="1.0" encoding="utf-8"?>
+<p:sld xmlns:a="http://schemas.openxmlformats.org/drawingml/2006/main" xmlns:r="http://schemas.openxmlformats.org/officeDocument/2006/relationships" xmlns:p="http://schemas.openxmlformats.org/presentationml/2006/main">
+  <p:cSld>
+    <p:spTree>
+      <p:nvGrpSpPr>
+        <p:cNvPr id="1" name=""/>
+        <p:cNvGrpSpPr/>
+        <p:nvPr/>
+      </p:nvGrpSpPr>
+      <p:grpSpPr>
+        <a:xfrm>
+          <a:off x="0" y="0"/>
+          <a:ext cx="0" cy="0"/>
+          <a:chOff x="0" y="0"/>
+          <a:chExt cx="0" cy="0"/>
+        </a:xfrm>
+      </p:grpSpPr>
+      <p:sp>
+        <p:nvSpPr>
+          <p:cNvPr id="39942" name="Footer Placeholder 7">
+            <a:extLst>
+              <a:ext uri="{FF2B5EF4-FFF2-40B4-BE49-F238E27FC236}">
+                <a16:creationId xmlns:a16="http://schemas.microsoft.com/office/drawing/2014/main" id="{63CE1B16-4248-3442-BF9B-358D014C00DD}"/>
+              </a:ext>
+            </a:extLst>
+          </p:cNvPr>
+          <p:cNvSpPr>
+            <a:spLocks noGrp="1" noChangeArrowheads="1"/>
+          </p:cNvSpPr>
+          <p:nvPr>
+            <p:ph type="ftr" sz="quarter" idx="3"/>
+          </p:nvPr>
+        </p:nvSpPr>
+        <p:spPr bwMode="auto">
+          <a:noFill/>
+          <a:extLst>
+            <a:ext uri="{909E8E84-426E-40DD-AFC4-6F175D3DCCD1}">
+              <a14:hiddenFill xmlns:a14="http://schemas.microsoft.com/office/drawing/2010/main">
+                <a:solidFill>
+                  <a:srgbClr val="FFFFFF"/>
+                </a:solidFill>
+              </a14:hiddenFill>
+            </a:ext>
+            <a:ext uri="{91240B29-F687-4F45-9708-019B960494DF}">
+              <a14:hiddenLine xmlns:a14="http://schemas.microsoft.com/office/drawing/2010/main" w="9525">
+                <a:solidFill>
+                  <a:srgbClr val="000000"/>
+                </a:solidFill>
+                <a:miter lim="800000"/>
+                <a:headEnd/>
+                <a:tailEnd/>
+              </a14:hiddenLine>
+            </a:ext>
+          </a:extLst>
+        </p:spPr>
+        <p:txBody>
+          <a:bodyPr wrap="square" numCol="1" anchorCtr="0" compatLnSpc="1">
+            <a:prstTxWarp prst="textNoShape">
+              <a:avLst/>
+            </a:prstTxWarp>
+          </a:bodyPr>
+          <a:lstStyle>
+            <a:lvl1pPr>
+              <a:defRPr>
+                <a:solidFill>
+                  <a:schemeClr val="tx1"/>
+                </a:solidFill>
+                <a:latin typeface="Calibri" panose="020F0502020204030204" pitchFamily="34" charset="0"/>
+              </a:defRPr>
+            </a:lvl1pPr>
+            <a:lvl2pPr marL="742950" indent="-285750">
+              <a:defRPr>
+                <a:solidFill>
+                  <a:schemeClr val="tx1"/>
+                </a:solidFill>
+                <a:latin typeface="Calibri" panose="020F0502020204030204" pitchFamily="34" charset="0"/>
+              </a:defRPr>
+            </a:lvl2pPr>
+            <a:lvl3pPr marL="1143000" indent="-228600">
+              <a:defRPr>
+                <a:solidFill>
+                  <a:schemeClr val="tx1"/>
+                </a:solidFill>
+                <a:latin typeface="Calibri" panose="020F0502020204030204" pitchFamily="34" charset="0"/>
+              </a:defRPr>
+            </a:lvl3pPr>
+            <a:lvl4pPr marL="1600200" indent="-228600">
+              <a:defRPr>
+                <a:solidFill>
+                  <a:schemeClr val="tx1"/>
+                </a:solidFill>
+                <a:latin typeface="Calibri" panose="020F0502020204030204" pitchFamily="34" charset="0"/>
+              </a:defRPr>
+            </a:lvl4pPr>
+            <a:lvl5pPr marL="2057400" indent="-228600">
+              <a:defRPr>
+                <a:solidFill>
+                  <a:schemeClr val="tx1"/>
+                </a:solidFill>
+                <a:latin typeface="Calibri" panose="020F0502020204030204" pitchFamily="34" charset="0"/>
+              </a:defRPr>
+            </a:lvl5pPr>
+            <a:lvl6pPr marL="2514600" indent="-228600" eaLnBrk="0" fontAlgn="base" hangingPunct="0">
+              <a:spcBef>
+                <a:spcPct val="0"/>
+              </a:spcBef>
+              <a:spcAft>
+                <a:spcPct val="0"/>
+              </a:spcAft>
+              <a:defRPr>
+                <a:solidFill>
+                  <a:schemeClr val="tx1"/>
+                </a:solidFill>
+                <a:latin typeface="Calibri" panose="020F0502020204030204" pitchFamily="34" charset="0"/>
+              </a:defRPr>
+            </a:lvl6pPr>
+            <a:lvl7pPr marL="2971800" indent="-228600" eaLnBrk="0" fontAlgn="base" hangingPunct="0">
+              <a:spcBef>
+                <a:spcPct val="0"/>
+              </a:spcBef>
+              <a:spcAft>
+                <a:spcPct val="0"/>
+              </a:spcAft>
+              <a:defRPr>
+                <a:solidFill>
+                  <a:schemeClr val="tx1"/>
+                </a:solidFill>
+                <a:latin typeface="Calibri" panose="020F0502020204030204" pitchFamily="34" charset="0"/>
+              </a:defRPr>
+            </a:lvl7pPr>
+            <a:lvl8pPr marL="3429000" indent="-228600" eaLnBrk="0" fontAlgn="base" hangingPunct="0">
+              <a:spcBef>
+                <a:spcPct val="0"/>
+              </a:spcBef>
+              <a:spcAft>
+                <a:spcPct val="0"/>
+              </a:spcAft>
+              <a:defRPr>
+                <a:solidFill>
+                  <a:schemeClr val="tx1"/>
+                </a:solidFill>
+                <a:latin typeface="Calibri" panose="020F0502020204030204" pitchFamily="34" charset="0"/>
+              </a:defRPr>
+            </a:lvl8pPr>
+            <a:lvl9pPr marL="3886200" indent="-228600" eaLnBrk="0" fontAlgn="base" hangingPunct="0">
+              <a:spcBef>
+                <a:spcPct val="0"/>
+              </a:spcBef>
+              <a:spcAft>
+                <a:spcPct val="0"/>
+              </a:spcAft>
+              <a:defRPr>
+                <a:solidFill>
+                  <a:schemeClr val="tx1"/>
+                </a:solidFill>
+                <a:latin typeface="Calibri" panose="020F0502020204030204" pitchFamily="34" charset="0"/>
+              </a:defRPr>
+            </a:lvl9pPr>
+          </a:lstStyle>
+          <a:p>
+            <a:pPr fontAlgn="base">
+              <a:spcBef>
+                <a:spcPct val="0"/>
+              </a:spcBef>
+              <a:spcAft>
+                <a:spcPct val="0"/>
+              </a:spcAft>
+            </a:pPr>
+            <a:r>
+              <a:rPr lang="en-US" altLang="en-US" dirty="0">
+                <a:solidFill>
+                  <a:schemeClr val="bg1"/>
+                </a:solidFill>
+                <a:latin typeface="Arial" panose="020B0604020202020204" pitchFamily="34" charset="0"/>
+              </a:rPr>
+              <a:t>© 2022, Amazon Web Services, Inc. or its affiliates. All rights reserved.</a:t>
+            </a:r>
+          </a:p>
+        </p:txBody>
+      </p:sp>
+      <p:sp>
+        <p:nvSpPr>
+          <p:cNvPr id="39943" name="Slide Number Placeholder 8">
+            <a:extLst>
+              <a:ext uri="{FF2B5EF4-FFF2-40B4-BE49-F238E27FC236}">
+                <a16:creationId xmlns:a16="http://schemas.microsoft.com/office/drawing/2014/main" id="{6F8E4182-1824-0245-84CA-C9F5141771E0}"/>
+              </a:ext>
+            </a:extLst>
+          </p:cNvPr>
+          <p:cNvSpPr>
+            <a:spLocks noGrp="1" noChangeArrowheads="1"/>
+          </p:cNvSpPr>
+          <p:nvPr>
+            <p:ph type="sldNum" sz="quarter" idx="4"/>
+          </p:nvPr>
+        </p:nvSpPr>
+        <p:spPr bwMode="auto">
+          <a:noFill/>
+          <a:extLst>
+            <a:ext uri="{909E8E84-426E-40DD-AFC4-6F175D3DCCD1}">
+              <a14:hiddenFill xmlns:a14="http://schemas.microsoft.com/office/drawing/2010/main">
+                <a:solidFill>
+                  <a:srgbClr val="FFFFFF"/>
+                </a:solidFill>
+              </a14:hiddenFill>
+            </a:ext>
+            <a:ext uri="{91240B29-F687-4F45-9708-019B960494DF}">
+              <a14:hiddenLine xmlns:a14="http://schemas.microsoft.com/office/drawing/2010/main" w="9525">
+                <a:solidFill>
+                  <a:srgbClr val="000000"/>
+                </a:solidFill>
+                <a:miter lim="800000"/>
+                <a:headEnd/>
+                <a:tailEnd/>
+              </a14:hiddenLine>
+            </a:ext>
+          </a:extLst>
+        </p:spPr>
+        <p:txBody>
+          <a:bodyPr wrap="square" numCol="1" anchorCtr="0" compatLnSpc="1">
+            <a:prstTxWarp prst="textNoShape">
+              <a:avLst/>
+            </a:prstTxWarp>
+          </a:bodyPr>
+          <a:lstStyle>
+            <a:lvl1pPr>
+              <a:defRPr>
+                <a:solidFill>
+                  <a:schemeClr val="tx1"/>
+                </a:solidFill>
+                <a:latin typeface="Calibri" panose="020F0502020204030204" pitchFamily="34" charset="0"/>
+              </a:defRPr>
+            </a:lvl1pPr>
+            <a:lvl2pPr marL="742950" indent="-285750">
+              <a:defRPr>
+                <a:solidFill>
+                  <a:schemeClr val="tx1"/>
+                </a:solidFill>
+                <a:latin typeface="Calibri" panose="020F0502020204030204" pitchFamily="34" charset="0"/>
+              </a:defRPr>
+            </a:lvl2pPr>
+            <a:lvl3pPr marL="1143000" indent="-228600">
+              <a:defRPr>
+                <a:solidFill>
+                  <a:schemeClr val="tx1"/>
+                </a:solidFill>
+                <a:latin typeface="Calibri" panose="020F0502020204030204" pitchFamily="34" charset="0"/>
+              </a:defRPr>
+            </a:lvl3pPr>
+            <a:lvl4pPr marL="1600200" indent="-228600">
+              <a:defRPr>
+                <a:solidFill>
+                  <a:schemeClr val="tx1"/>
+                </a:solidFill>
+                <a:latin typeface="Calibri" panose="020F0502020204030204" pitchFamily="34" charset="0"/>
+              </a:defRPr>
+            </a:lvl4pPr>
+            <a:lvl5pPr marL="2057400" indent="-228600">
+              <a:defRPr>
+                <a:solidFill>
+                  <a:schemeClr val="tx1"/>
+                </a:solidFill>
+                <a:latin typeface="Calibri" panose="020F0502020204030204" pitchFamily="34" charset="0"/>
+              </a:defRPr>
+            </a:lvl5pPr>
+            <a:lvl6pPr marL="2514600" indent="-228600" eaLnBrk="0" fontAlgn="base" hangingPunct="0">
+              <a:spcBef>
+                <a:spcPct val="0"/>
+              </a:spcBef>
+              <a:spcAft>
+                <a:spcPct val="0"/>
+              </a:spcAft>
+              <a:defRPr>
+                <a:solidFill>
+                  <a:schemeClr val="tx1"/>
+                </a:solidFill>
+                <a:latin typeface="Calibri" panose="020F0502020204030204" pitchFamily="34" charset="0"/>
+              </a:defRPr>
+            </a:lvl6pPr>
+            <a:lvl7pPr marL="2971800" indent="-228600" eaLnBrk="0" fontAlgn="base" hangingPunct="0">
+              <a:spcBef>
+                <a:spcPct val="0"/>
+              </a:spcBef>
+              <a:spcAft>
+                <a:spcPct val="0"/>
+              </a:spcAft>
+              <a:defRPr>
+                <a:solidFill>
+                  <a:schemeClr val="tx1"/>
+                </a:solidFill>
+                <a:latin typeface="Calibri" panose="020F0502020204030204" pitchFamily="34" charset="0"/>
+              </a:defRPr>
+            </a:lvl7pPr>
+            <a:lvl8pPr marL="3429000" indent="-228600" eaLnBrk="0" fontAlgn="base" hangingPunct="0">
+              <a:spcBef>
+                <a:spcPct val="0"/>
+              </a:spcBef>
+              <a:spcAft>
+                <a:spcPct val="0"/>
+              </a:spcAft>
+              <a:defRPr>
+                <a:solidFill>
+                  <a:schemeClr val="tx1"/>
+                </a:solidFill>
+                <a:latin typeface="Calibri" panose="020F0502020204030204" pitchFamily="34" charset="0"/>
+              </a:defRPr>
+            </a:lvl8pPr>
+            <a:lvl9pPr marL="3886200" indent="-228600" eaLnBrk="0" fontAlgn="base" hangingPunct="0">
+              <a:spcBef>
+                <a:spcPct val="0"/>
+              </a:spcBef>
+              <a:spcAft>
+                <a:spcPct val="0"/>
+              </a:spcAft>
+              <a:defRPr>
+                <a:solidFill>
+                  <a:schemeClr val="tx1"/>
+                </a:solidFill>
+                <a:latin typeface="Calibri" panose="020F0502020204030204" pitchFamily="34" charset="0"/>
+              </a:defRPr>
+            </a:lvl9pPr>
+          </a:lstStyle>
+          <a:p>
+            <a:pPr fontAlgn="base">
+              <a:spcBef>
+                <a:spcPct val="0"/>
+              </a:spcBef>
+              <a:spcAft>
+                <a:spcPct val="0"/>
+              </a:spcAft>
+            </a:pPr>
+            <a:fld id="{47B6341F-A150-8A49-8FBC-64E44138AE51}" type="slidenum">
+              <a:rPr lang="en-US" altLang="en-US" smtClean="0">
+                <a:solidFill>
+                  <a:schemeClr val="bg1"/>
+                </a:solidFill>
+                <a:latin typeface="Arial" panose="020B0604020202020204" pitchFamily="34" charset="0"/>
+              </a:rPr>
+              <a:pPr fontAlgn="base">
+                <a:spcBef>
+                  <a:spcPct val="0"/>
+                </a:spcBef>
+                <a:spcAft>
+                  <a:spcPct val="0"/>
+                </a:spcAft>
+              </a:pPr>
+              <a:t>2</a:t>
+            </a:fld>
+            <a:endParaRPr lang="en-US" altLang="en-US" dirty="0">
+              <a:solidFill>
+                <a:schemeClr val="bg1"/>
+              </a:solidFill>
+              <a:latin typeface="Arial" panose="020B0604020202020204" pitchFamily="34" charset="0"/>
+            </a:endParaRPr>
+          </a:p>
+        </p:txBody>
+      </p:sp>
+      <p:grpSp>
+        <p:nvGrpSpPr>
+          <p:cNvPr id="6" name="Group 5">
+            <a:extLst>
+              <a:ext uri="{FF2B5EF4-FFF2-40B4-BE49-F238E27FC236}">
+                <a16:creationId xmlns:a16="http://schemas.microsoft.com/office/drawing/2014/main" id="{272C75C5-F6BE-5BF7-CB43-B66481DFEAA2}"/>
+              </a:ext>
+            </a:extLst>
+          </p:cNvPr>
+          <p:cNvGrpSpPr/>
+          <p:nvPr/>
+        </p:nvGrpSpPr>
+        <p:grpSpPr>
+          <a:xfrm>
+            <a:off x="1191702" y="2430843"/>
+            <a:ext cx="1440072" cy="1427292"/>
             <a:chOff x="2545492" y="2619633"/>
-            <a:chExt cx="1440072" cy="580768"/>
+            <a:chExt cx="1440072" cy="1427292"/>
+          </a:xfrm>
+        </p:grpSpPr>
+        <p:sp>
+          <p:nvSpPr>
+            <p:cNvPr id="3" name="Rectangle 2">
+              <a:extLst>
+                <a:ext uri="{FF2B5EF4-FFF2-40B4-BE49-F238E27FC236}">
+                  <a16:creationId xmlns:a16="http://schemas.microsoft.com/office/drawing/2014/main" id="{C825CA06-9BDC-4AD5-F99F-4A1DC5F3C889}"/>
+                </a:ext>
+              </a:extLst>
+            </p:cNvPr>
+            <p:cNvSpPr/>
+            <p:nvPr/>
+          </p:nvSpPr>
+          <p:spPr>
+            <a:xfrm>
+              <a:off x="2545492" y="2619633"/>
+              <a:ext cx="1440072" cy="1427292"/>
+            </a:xfrm>
+            <a:prstGeom prst="rect">
+              <a:avLst/>
+            </a:prstGeom>
+            <a:solidFill>
+              <a:schemeClr val="tx1">
+                <a:lumMod val="50000"/>
+                <a:lumOff val="50000"/>
+              </a:schemeClr>
+            </a:solidFill>
+            <a:ln>
+              <a:noFill/>
+            </a:ln>
+          </p:spPr>
+          <p:style>
+            <a:lnRef idx="2">
+              <a:schemeClr val="accent1">
+                <a:shade val="50000"/>
+              </a:schemeClr>
+            </a:lnRef>
+            <a:fillRef idx="1">
+              <a:schemeClr val="accent1"/>
+            </a:fillRef>
+            <a:effectRef idx="0">
+              <a:schemeClr val="accent1"/>
+            </a:effectRef>
+            <a:fontRef idx="minor">
+              <a:schemeClr val="lt1"/>
+            </a:fontRef>
+          </p:style>
+          <p:txBody>
+            <a:bodyPr rtlCol="0" anchor="ctr"/>
+            <a:lstStyle/>
+            <a:p>
+              <a:pPr algn="ctr"/>
+              <a:endParaRPr lang="en-CN"/>
+            </a:p>
+          </p:txBody>
+        </p:sp>
+        <p:sp>
+          <p:nvSpPr>
+            <p:cNvPr id="5" name="TextBox 4">
+              <a:extLst>
+                <a:ext uri="{FF2B5EF4-FFF2-40B4-BE49-F238E27FC236}">
+                  <a16:creationId xmlns:a16="http://schemas.microsoft.com/office/drawing/2014/main" id="{DF9C7E34-0BD3-D8C6-7811-0BBEE686FB68}"/>
+                </a:ext>
+              </a:extLst>
+            </p:cNvPr>
+            <p:cNvSpPr txBox="1"/>
+            <p:nvPr/>
+          </p:nvSpPr>
+          <p:spPr>
+            <a:xfrm>
+              <a:off x="2852776" y="3118868"/>
+              <a:ext cx="816249" cy="276999"/>
+            </a:xfrm>
+            <a:prstGeom prst="rect">
+              <a:avLst/>
+            </a:prstGeom>
+            <a:noFill/>
+          </p:spPr>
+          <p:txBody>
+            <a:bodyPr wrap="none" rtlCol="0">
+              <a:spAutoFit/>
+            </a:bodyPr>
+            <a:lstStyle/>
+            <a:p>
+              <a:pPr algn="ctr"/>
+              <a:r>
+                <a:rPr lang="en-CN" sz="1200" dirty="0">
+                  <a:solidFill>
+                    <a:schemeClr val="tx2">
+                      <a:lumMod val="20000"/>
+                      <a:lumOff val="80000"/>
+                    </a:schemeClr>
+                  </a:solidFill>
+                  <a:latin typeface="Amazon Ember" panose="020B0603020204020204" pitchFamily="34" charset="0"/>
+                  <a:ea typeface="Amazon Ember" panose="020B0603020204020204" pitchFamily="34" charset="0"/>
+                  <a:cs typeface="Amazon Ember" panose="020B0603020204020204" pitchFamily="34" charset="0"/>
+                </a:rPr>
+                <a:t>Java App</a:t>
+              </a:r>
+            </a:p>
+          </p:txBody>
+        </p:sp>
+      </p:grpSp>
+      <p:grpSp>
+        <p:nvGrpSpPr>
+          <p:cNvPr id="7" name="Group 6">
+            <a:extLst>
+              <a:ext uri="{FF2B5EF4-FFF2-40B4-BE49-F238E27FC236}">
+                <a16:creationId xmlns:a16="http://schemas.microsoft.com/office/drawing/2014/main" id="{91B64DE2-FFE2-5F49-7468-03F7142B17DE}"/>
+              </a:ext>
+            </a:extLst>
+          </p:cNvPr>
+          <p:cNvGrpSpPr/>
+          <p:nvPr/>
+        </p:nvGrpSpPr>
+        <p:grpSpPr>
+          <a:xfrm>
+            <a:off x="3957533" y="3349090"/>
+            <a:ext cx="1616148" cy="580768"/>
+            <a:chOff x="2476489" y="2619633"/>
+            <a:chExt cx="1616148" cy="580768"/>
+          </a:xfrm>
+        </p:grpSpPr>
+        <p:sp>
+          <p:nvSpPr>
+            <p:cNvPr id="8" name="Rectangle 7">
+              <a:extLst>
+                <a:ext uri="{FF2B5EF4-FFF2-40B4-BE49-F238E27FC236}">
+                  <a16:creationId xmlns:a16="http://schemas.microsoft.com/office/drawing/2014/main" id="{CFA33326-9C9B-57E0-30A9-1556F52462C0}"/>
+                </a:ext>
+              </a:extLst>
+            </p:cNvPr>
+            <p:cNvSpPr/>
+            <p:nvPr/>
+          </p:nvSpPr>
+          <p:spPr>
+            <a:xfrm>
+              <a:off x="2545492" y="2619633"/>
+              <a:ext cx="1440072" cy="580768"/>
+            </a:xfrm>
+            <a:prstGeom prst="rect">
+              <a:avLst/>
+            </a:prstGeom>
+            <a:solidFill>
+              <a:schemeClr val="tx1">
+                <a:lumMod val="50000"/>
+                <a:lumOff val="50000"/>
+              </a:schemeClr>
+            </a:solidFill>
+            <a:ln>
+              <a:noFill/>
+            </a:ln>
+          </p:spPr>
+          <p:style>
+            <a:lnRef idx="2">
+              <a:schemeClr val="accent1">
+                <a:shade val="50000"/>
+              </a:schemeClr>
+            </a:lnRef>
+            <a:fillRef idx="1">
+              <a:schemeClr val="accent1"/>
+            </a:fillRef>
+            <a:effectRef idx="0">
+              <a:schemeClr val="accent1"/>
+            </a:effectRef>
+            <a:fontRef idx="minor">
+              <a:schemeClr val="lt1"/>
+            </a:fontRef>
+          </p:style>
+          <p:txBody>
+            <a:bodyPr rtlCol="0" anchor="ctr"/>
+            <a:lstStyle/>
+            <a:p>
+              <a:pPr algn="ctr"/>
+              <a:endParaRPr lang="en-CN"/>
+            </a:p>
+          </p:txBody>
+        </p:sp>
+        <p:sp>
+          <p:nvSpPr>
+            <p:cNvPr id="10" name="TextBox 9">
+              <a:extLst>
+                <a:ext uri="{FF2B5EF4-FFF2-40B4-BE49-F238E27FC236}">
+                  <a16:creationId xmlns:a16="http://schemas.microsoft.com/office/drawing/2014/main" id="{094ED87F-BCE6-E5F9-F6DF-5D77F7E3F6FE}"/>
+                </a:ext>
+              </a:extLst>
+            </p:cNvPr>
+            <p:cNvSpPr txBox="1"/>
+            <p:nvPr/>
+          </p:nvSpPr>
+          <p:spPr>
+            <a:xfrm>
+              <a:off x="2476489" y="2667013"/>
+              <a:ext cx="1616148" cy="461665"/>
+            </a:xfrm>
+            <a:prstGeom prst="rect">
+              <a:avLst/>
+            </a:prstGeom>
+            <a:noFill/>
+          </p:spPr>
+          <p:txBody>
+            <a:bodyPr wrap="none" rtlCol="0">
+              <a:spAutoFit/>
+            </a:bodyPr>
+            <a:lstStyle/>
+            <a:p>
+              <a:pPr algn="ctr"/>
+              <a:r>
+                <a:rPr lang="en-CN" sz="1200" dirty="0">
+                  <a:solidFill>
+                    <a:schemeClr val="tx2">
+                      <a:lumMod val="20000"/>
+                      <a:lumOff val="80000"/>
+                    </a:schemeClr>
+                  </a:solidFill>
+                  <a:latin typeface="Amazon Ember" panose="020B0603020204020204" pitchFamily="34" charset="0"/>
+                  <a:ea typeface="Amazon Ember" panose="020B0603020204020204" pitchFamily="34" charset="0"/>
+                  <a:cs typeface="Amazon Ember" panose="020B0603020204020204" pitchFamily="34" charset="0"/>
+                </a:rPr>
+                <a:t>ADOT Collector</a:t>
+              </a:r>
+            </a:p>
+            <a:p>
+              <a:pPr algn="ctr"/>
+              <a:r>
+                <a:rPr lang="en-CN" sz="1200" dirty="0">
+                  <a:solidFill>
+                    <a:schemeClr val="tx2">
+                      <a:lumMod val="20000"/>
+                      <a:lumOff val="80000"/>
+                    </a:schemeClr>
+                  </a:solidFill>
+                  <a:latin typeface="Amazon Ember" panose="020B0603020204020204" pitchFamily="34" charset="0"/>
+                  <a:ea typeface="Amazon Ember" panose="020B0603020204020204" pitchFamily="34" charset="0"/>
+                  <a:cs typeface="Amazon Ember" panose="020B0603020204020204" pitchFamily="34" charset="0"/>
+                </a:rPr>
+                <a:t>prometheus receiver</a:t>
+              </a:r>
+            </a:p>
+          </p:txBody>
+        </p:sp>
+      </p:grpSp>
+      <p:grpSp>
+        <p:nvGrpSpPr>
+          <p:cNvPr id="12" name="Group 11">
+            <a:extLst>
+              <a:ext uri="{FF2B5EF4-FFF2-40B4-BE49-F238E27FC236}">
+                <a16:creationId xmlns:a16="http://schemas.microsoft.com/office/drawing/2014/main" id="{E77008B1-7A77-5EDE-DC97-E5821407CA44}"/>
+              </a:ext>
+            </a:extLst>
+          </p:cNvPr>
+          <p:cNvGrpSpPr/>
+          <p:nvPr/>
+        </p:nvGrpSpPr>
+        <p:grpSpPr>
+          <a:xfrm>
+            <a:off x="1191702" y="4194513"/>
+            <a:ext cx="1440072" cy="591175"/>
+            <a:chOff x="2545492" y="2619633"/>
+            <a:chExt cx="1440072" cy="591175"/>
           </a:xfrm>
         </p:grpSpPr>
         <p:sp>
@@ -16785,8 +18554,8 @@
           </p:nvSpPr>
           <p:spPr>
             <a:xfrm>
-              <a:off x="2831565" y="2645759"/>
-              <a:ext cx="878767" cy="553998"/>
+              <a:off x="2573855" y="2656810"/>
+              <a:ext cx="1374095" cy="553998"/>
             </a:xfrm>
             <a:prstGeom prst="rect">
               <a:avLst/>
@@ -16812,7 +18581,7 @@
                   <a:ea typeface="Amazon Ember" panose="020B0603020204020204" pitchFamily="34" charset="0"/>
                   <a:cs typeface="Amazon Ember" panose="020B0603020204020204" pitchFamily="34" charset="0"/>
                 </a:rPr>
-                <a:t>JMX Metrics</a:t>
+                <a:t>ADOT Collector</a:t>
               </a:r>
             </a:p>
             <a:p>
@@ -16829,7 +18598,7 @@
                   <a:ea typeface="Amazon Ember" panose="020B0603020204020204" pitchFamily="34" charset="0"/>
                   <a:cs typeface="Amazon Ember" panose="020B0603020204020204" pitchFamily="34" charset="0"/>
                 </a:rPr>
-                <a:t>Collector</a:t>
+                <a:t>prometheus receiver</a:t>
               </a:r>
             </a:p>
             <a:p>
@@ -16846,7 +18615,7 @@
                   <a:ea typeface="Amazon Ember" panose="020B0603020204020204" pitchFamily="34" charset="0"/>
                   <a:cs typeface="Amazon Ember" panose="020B0603020204020204" pitchFamily="34" charset="0"/>
                 </a:rPr>
-                <a:t>Java App</a:t>
+                <a:t>(Sidecar)</a:t>
               </a:r>
             </a:p>
           </p:txBody>
@@ -16866,10 +18635,10 @@
         </p:nvGrpSpPr>
         <p:grpSpPr>
           <a:xfrm>
-            <a:off x="2037121" y="3203189"/>
-            <a:ext cx="993221" cy="276999"/>
-            <a:chOff x="2739910" y="2771517"/>
-            <a:chExt cx="993221" cy="276999"/>
+            <a:off x="1357410" y="3437083"/>
+            <a:ext cx="1099402" cy="368841"/>
+            <a:chOff x="2739911" y="2771517"/>
+            <a:chExt cx="1099402" cy="368841"/>
           </a:xfrm>
         </p:grpSpPr>
         <p:sp>
@@ -16886,8 +18655,8 @@
           </p:nvSpPr>
           <p:spPr>
             <a:xfrm>
-              <a:off x="2739910" y="2771517"/>
-              <a:ext cx="993221" cy="276999"/>
+              <a:off x="2739911" y="2771517"/>
+              <a:ext cx="1099402" cy="368841"/>
             </a:xfrm>
             <a:prstGeom prst="rect">
               <a:avLst/>
@@ -16938,8 +18707,8 @@
           </p:nvSpPr>
           <p:spPr>
             <a:xfrm>
-              <a:off x="2748361" y="2797361"/>
-              <a:ext cx="978152" cy="215444"/>
+              <a:off x="2748362" y="2801804"/>
+              <a:ext cx="1090950" cy="338554"/>
             </a:xfrm>
             <a:prstGeom prst="rect">
               <a:avLst/>
@@ -16947,25 +18716,21 @@
             <a:noFill/>
           </p:spPr>
           <p:txBody>
-            <a:bodyPr wrap="none" rtlCol="0">
+            <a:bodyPr wrap="square" rtlCol="0">
               <a:spAutoFit/>
             </a:bodyPr>
             <a:lstStyle/>
             <a:p>
               <a:pPr algn="ctr"/>
               <a:r>
-                <a:rPr lang="en-CN" sz="800" dirty="0">
+                <a:rPr lang="en-US" sz="800" b="1" i="0" dirty="0">
                   <a:solidFill>
-                    <a:schemeClr val="tx2">
-                      <a:lumMod val="20000"/>
-                      <a:lumOff val="80000"/>
-                    </a:schemeClr>
+                    <a:srgbClr val="E6EDF3"/>
                   </a:solidFill>
-                  <a:latin typeface="Amazon Ember" panose="020B0603020204020204" pitchFamily="34" charset="0"/>
-                  <a:ea typeface="Amazon Ember" panose="020B0603020204020204" pitchFamily="34" charset="0"/>
-                  <a:cs typeface="Amazon Ember" panose="020B0603020204020204" pitchFamily="34" charset="0"/>
+                  <a:effectLst/>
+                  <a:latin typeface="-apple-system"/>
                 </a:rPr>
-                <a:t>OTEL Java Agent</a:t>
+                <a:t>Prometheus JMX Exporter</a:t>
               </a:r>
             </a:p>
           </p:txBody>
@@ -16985,10 +18750,10 @@
         </p:nvGrpSpPr>
         <p:grpSpPr>
           <a:xfrm>
-            <a:off x="1915298" y="1841157"/>
-            <a:ext cx="1668161" cy="3373394"/>
-            <a:chOff x="1915298" y="1841157"/>
-            <a:chExt cx="1668161" cy="3373394"/>
+            <a:off x="999601" y="1954596"/>
+            <a:ext cx="1893467" cy="3042342"/>
+            <a:chOff x="1818206" y="1841157"/>
+            <a:chExt cx="1893467" cy="3042342"/>
           </a:xfrm>
         </p:grpSpPr>
         <p:sp>
@@ -17050,8 +18815,8 @@
           </p:nvSpPr>
           <p:spPr>
             <a:xfrm>
-              <a:off x="1915298" y="1841157"/>
-              <a:ext cx="1668161" cy="3373394"/>
+              <a:off x="1818206" y="1841157"/>
+              <a:ext cx="1893467" cy="3042342"/>
             </a:xfrm>
             <a:prstGeom prst="rect">
               <a:avLst/>
@@ -17095,10 +18860,10 @@
       </p:grpSp>
       <p:sp>
         <p:nvSpPr>
-          <p:cNvPr id="20" name="Rectangle 19">
-            <a:extLst>
-              <a:ext uri="{FF2B5EF4-FFF2-40B4-BE49-F238E27FC236}">
-                <a16:creationId xmlns:a16="http://schemas.microsoft.com/office/drawing/2014/main" id="{A04B6B7B-DDA1-E339-4961-6B50C45DB22D}"/>
+          <p:cNvPr id="22" name="Rectangle 21">
+            <a:extLst>
+              <a:ext uri="{FF2B5EF4-FFF2-40B4-BE49-F238E27FC236}">
+                <a16:creationId xmlns:a16="http://schemas.microsoft.com/office/drawing/2014/main" id="{9C3AC45D-AE61-201A-FE55-49938A26CF77}"/>
               </a:ext>
             </a:extLst>
           </p:cNvPr>
@@ -17107,8 +18872,8 @@
         </p:nvSpPr>
         <p:spPr>
           <a:xfrm>
-            <a:off x="1146822" y="1439609"/>
-            <a:ext cx="6180735" cy="4293925"/>
+            <a:off x="543657" y="1355952"/>
+            <a:ext cx="5338983" cy="3917951"/>
           </a:xfrm>
           <a:prstGeom prst="rect">
             <a:avLst/>
@@ -17151,10 +18916,10 @@
       </p:sp>
       <p:sp>
         <p:nvSpPr>
-          <p:cNvPr id="21" name="TextBox 20">
-            <a:extLst>
-              <a:ext uri="{FF2B5EF4-FFF2-40B4-BE49-F238E27FC236}">
-                <a16:creationId xmlns:a16="http://schemas.microsoft.com/office/drawing/2014/main" id="{0265420A-80CD-7106-CC17-D798ECEB55B4}"/>
+          <p:cNvPr id="23" name="TextBox 22">
+            <a:extLst>
+              <a:ext uri="{FF2B5EF4-FFF2-40B4-BE49-F238E27FC236}">
+                <a16:creationId xmlns:a16="http://schemas.microsoft.com/office/drawing/2014/main" id="{22AFC5FF-EE66-6EFC-81C6-FCE780E95C36}"/>
               </a:ext>
             </a:extLst>
           </p:cNvPr>
@@ -17163,8 +18928,8 @@
         </p:nvSpPr>
         <p:spPr>
           <a:xfrm>
-            <a:off x="1291169" y="1491731"/>
-            <a:ext cx="928459" cy="369332"/>
+            <a:off x="543657" y="1367046"/>
+            <a:ext cx="1893467" cy="369332"/>
           </a:xfrm>
           <a:prstGeom prst="rect">
             <a:avLst/>
@@ -17189,356 +18954,11 @@
                 <a:ea typeface="Amazon Ember" panose="020B0603020204020204" pitchFamily="34" charset="0"/>
                 <a:cs typeface="Amazon Ember" panose="020B0603020204020204" pitchFamily="34" charset="0"/>
               </a:rPr>
-              <a:t>Service</a:t>
-            </a:r>
-          </a:p>
-        </p:txBody>
-      </p:sp>
-      <p:sp>
-        <p:nvSpPr>
-          <p:cNvPr id="22" name="Rectangle 21">
-            <a:extLst>
-              <a:ext uri="{FF2B5EF4-FFF2-40B4-BE49-F238E27FC236}">
-                <a16:creationId xmlns:a16="http://schemas.microsoft.com/office/drawing/2014/main" id="{9C3AC45D-AE61-201A-FE55-49938A26CF77}"/>
-              </a:ext>
-            </a:extLst>
-          </p:cNvPr>
-          <p:cNvSpPr/>
-          <p:nvPr/>
-        </p:nvSpPr>
-        <p:spPr>
-          <a:xfrm>
-            <a:off x="256466" y="519079"/>
-            <a:ext cx="9390042" cy="5436878"/>
-          </a:xfrm>
-          <a:prstGeom prst="rect">
-            <a:avLst/>
-          </a:prstGeom>
-          <a:noFill/>
-          <a:ln>
-            <a:solidFill>
-              <a:schemeClr val="tx1">
-                <a:lumMod val="50000"/>
-                <a:lumOff val="50000"/>
-              </a:schemeClr>
-            </a:solidFill>
-            <a:prstDash val="dash"/>
-          </a:ln>
-        </p:spPr>
-        <p:style>
-          <a:lnRef idx="2">
-            <a:schemeClr val="accent1">
-              <a:shade val="50000"/>
-            </a:schemeClr>
-          </a:lnRef>
-          <a:fillRef idx="1">
-            <a:schemeClr val="accent1"/>
-          </a:fillRef>
-          <a:effectRef idx="0">
-            <a:schemeClr val="accent1"/>
-          </a:effectRef>
-          <a:fontRef idx="minor">
-            <a:schemeClr val="lt1"/>
-          </a:fontRef>
-        </p:style>
-        <p:txBody>
-          <a:bodyPr rtlCol="0" anchor="ctr"/>
-          <a:lstStyle/>
-          <a:p>
-            <a:pPr algn="ctr"/>
-            <a:endParaRPr lang="en-CN"/>
-          </a:p>
-        </p:txBody>
-      </p:sp>
-      <p:sp>
-        <p:nvSpPr>
-          <p:cNvPr id="23" name="TextBox 22">
-            <a:extLst>
-              <a:ext uri="{FF2B5EF4-FFF2-40B4-BE49-F238E27FC236}">
-                <a16:creationId xmlns:a16="http://schemas.microsoft.com/office/drawing/2014/main" id="{22AFC5FF-EE66-6EFC-81C6-FCE780E95C36}"/>
-              </a:ext>
-            </a:extLst>
-          </p:cNvPr>
-          <p:cNvSpPr txBox="1"/>
-          <p:nvPr/>
-        </p:nvSpPr>
-        <p:spPr>
-          <a:xfrm>
-            <a:off x="4261234" y="661472"/>
-            <a:ext cx="1380506" cy="369332"/>
-          </a:xfrm>
-          <a:prstGeom prst="rect">
-            <a:avLst/>
-          </a:prstGeom>
-          <a:noFill/>
-        </p:spPr>
-        <p:txBody>
-          <a:bodyPr wrap="none" rtlCol="0">
-            <a:spAutoFit/>
-          </a:bodyPr>
-          <a:lstStyle/>
-          <a:p>
-            <a:r>
-              <a:rPr lang="en-CN" dirty="0">
-                <a:solidFill>
-                  <a:schemeClr val="tx2">
-                    <a:lumMod val="20000"/>
-                    <a:lumOff val="80000"/>
-                  </a:schemeClr>
-                </a:solidFill>
-                <a:latin typeface="Amazon Ember" panose="020B0603020204020204" pitchFamily="34" charset="0"/>
-                <a:ea typeface="Amazon Ember" panose="020B0603020204020204" pitchFamily="34" charset="0"/>
-                <a:cs typeface="Amazon Ember" panose="020B0603020204020204" pitchFamily="34" charset="0"/>
-              </a:rPr>
-              <a:t>ECS Cluster</a:t>
-            </a:r>
-          </a:p>
-        </p:txBody>
-      </p:sp>
-      <p:grpSp>
-        <p:nvGrpSpPr>
-          <p:cNvPr id="27" name="Group 26">
-            <a:extLst>
-              <a:ext uri="{FF2B5EF4-FFF2-40B4-BE49-F238E27FC236}">
-                <a16:creationId xmlns:a16="http://schemas.microsoft.com/office/drawing/2014/main" id="{8776FD74-72B4-51E4-30F2-C46337BF2C84}"/>
-              </a:ext>
-            </a:extLst>
-          </p:cNvPr>
-          <p:cNvGrpSpPr/>
-          <p:nvPr/>
-        </p:nvGrpSpPr>
-        <p:grpSpPr>
-          <a:xfrm>
-            <a:off x="3645601" y="1841157"/>
-            <a:ext cx="1668161" cy="3373394"/>
-            <a:chOff x="1915298" y="1841157"/>
-            <a:chExt cx="1668161" cy="3373394"/>
-          </a:xfrm>
-        </p:grpSpPr>
-        <p:sp>
-          <p:nvSpPr>
-            <p:cNvPr id="28" name="TextBox 27">
-              <a:extLst>
-                <a:ext uri="{FF2B5EF4-FFF2-40B4-BE49-F238E27FC236}">
-                  <a16:creationId xmlns:a16="http://schemas.microsoft.com/office/drawing/2014/main" id="{50D2A544-60AE-996B-5D63-673D0DF32B55}"/>
-                </a:ext>
-              </a:extLst>
-            </p:cNvPr>
-            <p:cNvSpPr txBox="1"/>
-            <p:nvPr/>
-          </p:nvSpPr>
-          <p:spPr>
-            <a:xfrm>
-              <a:off x="1955154" y="1861062"/>
-              <a:ext cx="1208985" cy="369332"/>
-            </a:xfrm>
-            <a:prstGeom prst="rect">
-              <a:avLst/>
-            </a:prstGeom>
-            <a:noFill/>
-          </p:spPr>
-          <p:txBody>
-            <a:bodyPr wrap="none" rtlCol="0">
-              <a:spAutoFit/>
-            </a:bodyPr>
-            <a:lstStyle/>
-            <a:p>
-              <a:r>
-                <a:rPr lang="en-CN" dirty="0">
-                  <a:solidFill>
-                    <a:schemeClr val="tx2">
-                      <a:lumMod val="20000"/>
-                      <a:lumOff val="80000"/>
-                    </a:schemeClr>
-                  </a:solidFill>
-                  <a:latin typeface="Amazon Ember" panose="020B0603020204020204" pitchFamily="34" charset="0"/>
-                  <a:ea typeface="Amazon Ember" panose="020B0603020204020204" pitchFamily="34" charset="0"/>
-                  <a:cs typeface="Amazon Ember" panose="020B0603020204020204" pitchFamily="34" charset="0"/>
-                </a:rPr>
-                <a:t>Container</a:t>
-              </a:r>
-            </a:p>
-          </p:txBody>
-        </p:sp>
-        <p:sp>
-          <p:nvSpPr>
-            <p:cNvPr id="29" name="Rectangle 28">
-              <a:extLst>
-                <a:ext uri="{FF2B5EF4-FFF2-40B4-BE49-F238E27FC236}">
-                  <a16:creationId xmlns:a16="http://schemas.microsoft.com/office/drawing/2014/main" id="{5EF001AB-C982-211C-B88D-B918A4D7F00F}"/>
-                </a:ext>
-              </a:extLst>
-            </p:cNvPr>
-            <p:cNvSpPr/>
-            <p:nvPr/>
-          </p:nvSpPr>
-          <p:spPr>
-            <a:xfrm>
-              <a:off x="1915298" y="1841157"/>
-              <a:ext cx="1668161" cy="3373394"/>
-            </a:xfrm>
-            <a:prstGeom prst="rect">
-              <a:avLst/>
-            </a:prstGeom>
-            <a:noFill/>
-            <a:ln>
-              <a:solidFill>
-                <a:schemeClr val="tx1">
-                  <a:lumMod val="50000"/>
-                  <a:lumOff val="50000"/>
-                </a:schemeClr>
-              </a:solidFill>
-              <a:prstDash val="dash"/>
-            </a:ln>
-          </p:spPr>
-          <p:style>
-            <a:lnRef idx="2">
-              <a:schemeClr val="accent1">
-                <a:shade val="50000"/>
-              </a:schemeClr>
-            </a:lnRef>
-            <a:fillRef idx="1">
-              <a:schemeClr val="accent1"/>
-            </a:fillRef>
-            <a:effectRef idx="0">
-              <a:schemeClr val="accent1"/>
-            </a:effectRef>
-            <a:fontRef idx="minor">
-              <a:schemeClr val="lt1"/>
-            </a:fontRef>
-          </p:style>
-          <p:txBody>
-            <a:bodyPr rtlCol="0" anchor="ctr"/>
-            <a:lstStyle/>
-            <a:p>
-              <a:pPr algn="ctr"/>
-              <a:endParaRPr lang="en-CN"/>
-            </a:p>
-          </p:txBody>
-        </p:sp>
-      </p:grpSp>
-      <p:grpSp>
-        <p:nvGrpSpPr>
-          <p:cNvPr id="30" name="Group 29">
-            <a:extLst>
-              <a:ext uri="{FF2B5EF4-FFF2-40B4-BE49-F238E27FC236}">
-                <a16:creationId xmlns:a16="http://schemas.microsoft.com/office/drawing/2014/main" id="{6103DBEE-C515-8DEA-21B8-4E4AE4613F8B}"/>
-              </a:ext>
-            </a:extLst>
-          </p:cNvPr>
-          <p:cNvGrpSpPr/>
-          <p:nvPr/>
-        </p:nvGrpSpPr>
-        <p:grpSpPr>
-          <a:xfrm>
-            <a:off x="5375904" y="1834165"/>
-            <a:ext cx="1668161" cy="3373394"/>
-            <a:chOff x="1915298" y="1841157"/>
-            <a:chExt cx="1668161" cy="3373394"/>
-          </a:xfrm>
-        </p:grpSpPr>
-        <p:sp>
-          <p:nvSpPr>
-            <p:cNvPr id="31" name="TextBox 30">
-              <a:extLst>
-                <a:ext uri="{FF2B5EF4-FFF2-40B4-BE49-F238E27FC236}">
-                  <a16:creationId xmlns:a16="http://schemas.microsoft.com/office/drawing/2014/main" id="{510D21B3-4613-60F6-E305-596891E863C4}"/>
-                </a:ext>
-              </a:extLst>
-            </p:cNvPr>
-            <p:cNvSpPr txBox="1"/>
-            <p:nvPr/>
-          </p:nvSpPr>
-          <p:spPr>
-            <a:xfrm>
-              <a:off x="1955154" y="1861062"/>
-              <a:ext cx="1208985" cy="369332"/>
-            </a:xfrm>
-            <a:prstGeom prst="rect">
-              <a:avLst/>
-            </a:prstGeom>
-            <a:noFill/>
-          </p:spPr>
-          <p:txBody>
-            <a:bodyPr wrap="none" rtlCol="0">
-              <a:spAutoFit/>
-            </a:bodyPr>
-            <a:lstStyle/>
-            <a:p>
-              <a:r>
-                <a:rPr lang="en-CN" dirty="0">
-                  <a:solidFill>
-                    <a:schemeClr val="tx2">
-                      <a:lumMod val="20000"/>
-                      <a:lumOff val="80000"/>
-                    </a:schemeClr>
-                  </a:solidFill>
-                  <a:latin typeface="Amazon Ember" panose="020B0603020204020204" pitchFamily="34" charset="0"/>
-                  <a:ea typeface="Amazon Ember" panose="020B0603020204020204" pitchFamily="34" charset="0"/>
-                  <a:cs typeface="Amazon Ember" panose="020B0603020204020204" pitchFamily="34" charset="0"/>
-                </a:rPr>
-                <a:t>Container</a:t>
-              </a:r>
-            </a:p>
-          </p:txBody>
-        </p:sp>
-        <p:sp>
-          <p:nvSpPr>
-            <p:cNvPr id="32" name="Rectangle 31">
-              <a:extLst>
-                <a:ext uri="{FF2B5EF4-FFF2-40B4-BE49-F238E27FC236}">
-                  <a16:creationId xmlns:a16="http://schemas.microsoft.com/office/drawing/2014/main" id="{A8AB3C5B-FD9E-570B-4B0B-4DA7375B0AA5}"/>
-                </a:ext>
-              </a:extLst>
-            </p:cNvPr>
-            <p:cNvSpPr/>
-            <p:nvPr/>
-          </p:nvSpPr>
-          <p:spPr>
-            <a:xfrm>
-              <a:off x="1915298" y="1841157"/>
-              <a:ext cx="1668161" cy="3373394"/>
-            </a:xfrm>
-            <a:prstGeom prst="rect">
-              <a:avLst/>
-            </a:prstGeom>
-            <a:noFill/>
-            <a:ln>
-              <a:solidFill>
-                <a:schemeClr val="tx1">
-                  <a:lumMod val="50000"/>
-                  <a:lumOff val="50000"/>
-                </a:schemeClr>
-              </a:solidFill>
-              <a:prstDash val="dash"/>
-            </a:ln>
-          </p:spPr>
-          <p:style>
-            <a:lnRef idx="2">
-              <a:schemeClr val="accent1">
-                <a:shade val="50000"/>
-              </a:schemeClr>
-            </a:lnRef>
-            <a:fillRef idx="1">
-              <a:schemeClr val="accent1"/>
-            </a:fillRef>
-            <a:effectRef idx="0">
-              <a:schemeClr val="accent1"/>
-            </a:effectRef>
-            <a:fontRef idx="minor">
-              <a:schemeClr val="lt1"/>
-            </a:fontRef>
-          </p:style>
-          <p:txBody>
-            <a:bodyPr rtlCol="0" anchor="ctr"/>
-            <a:lstStyle/>
-            <a:p>
-              <a:pPr algn="ctr"/>
-              <a:endParaRPr lang="en-CN"/>
-            </a:p>
-          </p:txBody>
-        </p:sp>
-      </p:grpSp>
+              <a:t>EKS/ECS Cluster</a:t>
+            </a:r>
+          </a:p>
+        </p:txBody>
+      </p:sp>
       <p:cxnSp>
         <p:nvCxnSpPr>
           <p:cNvPr id="34" name="Straight Arrow Connector 33">
@@ -17550,14 +18970,15 @@
           </p:cNvPr>
           <p:cNvCxnSpPr>
             <a:cxnSpLocks/>
+            <a:stCxn id="16" idx="2"/>
             <a:endCxn id="13" idx="0"/>
           </p:cNvCxnSpPr>
           <p:nvPr/>
         </p:nvCxnSpPr>
         <p:spPr>
           <a:xfrm>
-            <a:off x="2730343" y="3527854"/>
-            <a:ext cx="0" cy="553220"/>
+            <a:off x="1907111" y="3805924"/>
+            <a:ext cx="4627" cy="388589"/>
           </a:xfrm>
           <a:prstGeom prst="straightConnector1">
             <a:avLst/>
@@ -17566,7 +18987,7 @@
             <a:solidFill>
               <a:schemeClr val="bg1"/>
             </a:solidFill>
-            <a:headEnd type="triangle"/>
+            <a:headEnd type="none"/>
             <a:tailEnd type="triangle"/>
           </a:ln>
         </p:spPr>
@@ -17587,66 +19008,10 @@
       </p:cxnSp>
       <p:sp>
         <p:nvSpPr>
-          <p:cNvPr id="39" name="Rectangle 38">
-            <a:extLst>
-              <a:ext uri="{FF2B5EF4-FFF2-40B4-BE49-F238E27FC236}">
-                <a16:creationId xmlns:a16="http://schemas.microsoft.com/office/drawing/2014/main" id="{6AB82105-AF23-CC05-1FBD-BADFA50F4887}"/>
-              </a:ext>
-            </a:extLst>
-          </p:cNvPr>
-          <p:cNvSpPr/>
-          <p:nvPr/>
-        </p:nvSpPr>
-        <p:spPr>
-          <a:xfrm>
-            <a:off x="7529791" y="1439609"/>
-            <a:ext cx="1824274" cy="4293925"/>
-          </a:xfrm>
-          <a:prstGeom prst="rect">
-            <a:avLst/>
-          </a:prstGeom>
-          <a:noFill/>
-          <a:ln>
-            <a:solidFill>
-              <a:schemeClr val="tx1">
-                <a:lumMod val="50000"/>
-                <a:lumOff val="50000"/>
-              </a:schemeClr>
-            </a:solidFill>
-            <a:prstDash val="dash"/>
-          </a:ln>
-        </p:spPr>
-        <p:style>
-          <a:lnRef idx="2">
-            <a:schemeClr val="accent1">
-              <a:shade val="50000"/>
-            </a:schemeClr>
-          </a:lnRef>
-          <a:fillRef idx="1">
-            <a:schemeClr val="accent1"/>
-          </a:fillRef>
-          <a:effectRef idx="0">
-            <a:schemeClr val="accent1"/>
-          </a:effectRef>
-          <a:fontRef idx="minor">
-            <a:schemeClr val="lt1"/>
-          </a:fontRef>
-        </p:style>
-        <p:txBody>
-          <a:bodyPr rtlCol="0" anchor="ctr"/>
-          <a:lstStyle/>
-          <a:p>
-            <a:pPr algn="ctr"/>
-            <a:endParaRPr lang="en-CN"/>
-          </a:p>
-        </p:txBody>
-      </p:sp>
-      <p:sp>
-        <p:nvSpPr>
-          <p:cNvPr id="40" name="TextBox 39">
-            <a:extLst>
-              <a:ext uri="{FF2B5EF4-FFF2-40B4-BE49-F238E27FC236}">
-                <a16:creationId xmlns:a16="http://schemas.microsoft.com/office/drawing/2014/main" id="{0687B858-A98B-9685-3222-382997C76C24}"/>
+          <p:cNvPr id="33" name="TextBox 32">
+            <a:extLst>
+              <a:ext uri="{FF2B5EF4-FFF2-40B4-BE49-F238E27FC236}">
+                <a16:creationId xmlns:a16="http://schemas.microsoft.com/office/drawing/2014/main" id="{59FB56C6-55D5-282A-A9A7-76E8E298FDE4}"/>
               </a:ext>
             </a:extLst>
           </p:cNvPr>
@@ -17655,8 +19020,8 @@
         </p:nvSpPr>
         <p:spPr>
           <a:xfrm>
-            <a:off x="7586488" y="1491731"/>
-            <a:ext cx="928459" cy="369332"/>
+            <a:off x="248195" y="290497"/>
+            <a:ext cx="8635697" cy="523220"/>
           </a:xfrm>
           <a:prstGeom prst="rect">
             <a:avLst/>
@@ -17670,47 +19035,181 @@
           <a:lstStyle/>
           <a:p>
             <a:r>
-              <a:rPr lang="en-CN" dirty="0">
+              <a:rPr lang="en-CN" sz="2800" dirty="0">
                 <a:solidFill>
-                  <a:schemeClr val="tx2">
-                    <a:lumMod val="20000"/>
-                    <a:lumOff val="80000"/>
-                  </a:schemeClr>
+                  <a:schemeClr val="bg1"/>
                 </a:solidFill>
                 <a:latin typeface="Amazon Ember" panose="020B0603020204020204" pitchFamily="34" charset="0"/>
                 <a:ea typeface="Amazon Ember" panose="020B0603020204020204" pitchFamily="34" charset="0"/>
                 <a:cs typeface="Amazon Ember" panose="020B0603020204020204" pitchFamily="34" charset="0"/>
               </a:rPr>
-              <a:t>Service</a:t>
+              <a:t>Collect JMX Metrics using Prometheus JMX Exporter</a:t>
+            </a:r>
+          </a:p>
+        </p:txBody>
+      </p:sp>
+      <p:sp>
+        <p:nvSpPr>
+          <p:cNvPr id="35" name="TextBox 34">
+            <a:extLst>
+              <a:ext uri="{FF2B5EF4-FFF2-40B4-BE49-F238E27FC236}">
+                <a16:creationId xmlns:a16="http://schemas.microsoft.com/office/drawing/2014/main" id="{EB6A89AA-C386-9400-41A2-AA02F5C22160}"/>
+              </a:ext>
+            </a:extLst>
+          </p:cNvPr>
+          <p:cNvSpPr txBox="1"/>
+          <p:nvPr/>
+        </p:nvSpPr>
+        <p:spPr>
+          <a:xfrm>
+            <a:off x="454215" y="5398620"/>
+            <a:ext cx="3438762" cy="461665"/>
+          </a:xfrm>
+          <a:prstGeom prst="rect">
+            <a:avLst/>
+          </a:prstGeom>
+          <a:noFill/>
+        </p:spPr>
+        <p:txBody>
+          <a:bodyPr wrap="none" rtlCol="0">
+            <a:spAutoFit/>
+          </a:bodyPr>
+          <a:lstStyle/>
+          <a:p>
+            <a:r>
+              <a:rPr lang="en-CN" sz="1200" dirty="0">
+                <a:solidFill>
+                  <a:schemeClr val="bg1"/>
+                </a:solidFill>
+                <a:latin typeface="Amazon Ember" panose="020B0603020204020204" pitchFamily="34" charset="0"/>
+                <a:ea typeface="Amazon Ember" panose="020B0603020204020204" pitchFamily="34" charset="0"/>
+                <a:cs typeface="Amazon Ember" panose="020B0603020204020204" pitchFamily="34" charset="0"/>
+              </a:rPr>
+              <a:t>Option 1: setup ADOT Collector as sidecar</a:t>
+            </a:r>
+          </a:p>
+          <a:p>
+            <a:r>
+              <a:rPr lang="en-CN" sz="1200" dirty="0">
+                <a:solidFill>
+                  <a:schemeClr val="bg1"/>
+                </a:solidFill>
+                <a:latin typeface="Amazon Ember" panose="020B0603020204020204" pitchFamily="34" charset="0"/>
+                <a:ea typeface="Amazon Ember" panose="020B0603020204020204" pitchFamily="34" charset="0"/>
+                <a:cs typeface="Amazon Ember" panose="020B0603020204020204" pitchFamily="34" charset="0"/>
+              </a:rPr>
+              <a:t>Option 2: setup ADOT Collector independently</a:t>
+            </a:r>
+          </a:p>
+        </p:txBody>
+      </p:sp>
+      <p:sp>
+        <p:nvSpPr>
+          <p:cNvPr id="36" name="TextBox 35">
+            <a:extLst>
+              <a:ext uri="{FF2B5EF4-FFF2-40B4-BE49-F238E27FC236}">
+                <a16:creationId xmlns:a16="http://schemas.microsoft.com/office/drawing/2014/main" id="{F2B91E69-BF25-28A6-078A-CAA2E60F16DA}"/>
+              </a:ext>
+            </a:extLst>
+          </p:cNvPr>
+          <p:cNvSpPr txBox="1"/>
+          <p:nvPr/>
+        </p:nvSpPr>
+        <p:spPr>
+          <a:xfrm>
+            <a:off x="1893475" y="3860076"/>
+            <a:ext cx="763351" cy="276999"/>
+          </a:xfrm>
+          <a:prstGeom prst="rect">
+            <a:avLst/>
+          </a:prstGeom>
+          <a:noFill/>
+        </p:spPr>
+        <p:txBody>
+          <a:bodyPr wrap="none" rtlCol="0">
+            <a:spAutoFit/>
+          </a:bodyPr>
+          <a:lstStyle/>
+          <a:p>
+            <a:r>
+              <a:rPr lang="en-CN" sz="1200" dirty="0">
+                <a:solidFill>
+                  <a:schemeClr val="accent2"/>
+                </a:solidFill>
+                <a:latin typeface="Amazon Ember" panose="020B0603020204020204" pitchFamily="34" charset="0"/>
+                <a:ea typeface="Amazon Ember" panose="020B0603020204020204" pitchFamily="34" charset="0"/>
+                <a:cs typeface="Amazon Ember" panose="020B0603020204020204" pitchFamily="34" charset="0"/>
+              </a:rPr>
+              <a:t>Option1</a:t>
+            </a:r>
+          </a:p>
+        </p:txBody>
+      </p:sp>
+      <p:sp>
+        <p:nvSpPr>
+          <p:cNvPr id="37" name="TextBox 36">
+            <a:extLst>
+              <a:ext uri="{FF2B5EF4-FFF2-40B4-BE49-F238E27FC236}">
+                <a16:creationId xmlns:a16="http://schemas.microsoft.com/office/drawing/2014/main" id="{AD43B5F7-8A26-F09F-EB2D-A63D38AEB0DF}"/>
+              </a:ext>
+            </a:extLst>
+          </p:cNvPr>
+          <p:cNvSpPr txBox="1"/>
+          <p:nvPr/>
+        </p:nvSpPr>
+        <p:spPr>
+          <a:xfrm>
+            <a:off x="3001927" y="3362474"/>
+            <a:ext cx="763351" cy="276999"/>
+          </a:xfrm>
+          <a:prstGeom prst="rect">
+            <a:avLst/>
+          </a:prstGeom>
+          <a:noFill/>
+        </p:spPr>
+        <p:txBody>
+          <a:bodyPr wrap="none" rtlCol="0">
+            <a:spAutoFit/>
+          </a:bodyPr>
+          <a:lstStyle/>
+          <a:p>
+            <a:r>
+              <a:rPr lang="en-CN" sz="1200" dirty="0">
+                <a:solidFill>
+                  <a:schemeClr val="accent2"/>
+                </a:solidFill>
+                <a:latin typeface="Amazon Ember" panose="020B0603020204020204" pitchFamily="34" charset="0"/>
+                <a:ea typeface="Amazon Ember" panose="020B0603020204020204" pitchFamily="34" charset="0"/>
+                <a:cs typeface="Amazon Ember" panose="020B0603020204020204" pitchFamily="34" charset="0"/>
+              </a:rPr>
+              <a:t>Option2</a:t>
             </a:r>
           </a:p>
         </p:txBody>
       </p:sp>
       <p:cxnSp>
         <p:nvCxnSpPr>
-          <p:cNvPr id="43" name="Elbow Connector 42">
-            <a:extLst>
-              <a:ext uri="{FF2B5EF4-FFF2-40B4-BE49-F238E27FC236}">
-                <a16:creationId xmlns:a16="http://schemas.microsoft.com/office/drawing/2014/main" id="{78FD742A-45F7-E253-4A89-A7C512D07380}"/>
+          <p:cNvPr id="41" name="Straight Arrow Connector 40">
+            <a:extLst>
+              <a:ext uri="{FF2B5EF4-FFF2-40B4-BE49-F238E27FC236}">
+                <a16:creationId xmlns:a16="http://schemas.microsoft.com/office/drawing/2014/main" id="{57F6EB6A-42CD-F358-583D-7B2A448ADA0E}"/>
               </a:ext>
             </a:extLst>
           </p:cNvPr>
           <p:cNvCxnSpPr>
             <a:cxnSpLocks/>
-            <a:stCxn id="13" idx="3"/>
+            <a:stCxn id="17" idx="3"/>
             <a:endCxn id="8" idx="1"/>
           </p:cNvCxnSpPr>
           <p:nvPr/>
         </p:nvCxnSpPr>
         <p:spPr>
-          <a:xfrm flipV="1">
-            <a:off x="3450379" y="3719384"/>
-            <a:ext cx="4271513" cy="652074"/>
-          </a:xfrm>
-          <a:prstGeom prst="bentConnector3">
-            <a:avLst>
-              <a:gd name="adj1" fmla="val 45082"/>
-            </a:avLst>
+          <a:xfrm>
+            <a:off x="2456811" y="3636647"/>
+            <a:ext cx="1569725" cy="2827"/>
+          </a:xfrm>
+          <a:prstGeom prst="straightConnector1">
+            <a:avLst/>
           </a:prstGeom>
           <a:ln>
             <a:solidFill>
@@ -17734,55 +19233,331 @@
           </a:fontRef>
         </p:style>
       </p:cxnSp>
-      <p:cxnSp>
-        <p:nvCxnSpPr>
-          <p:cNvPr id="44" name="Elbow Connector 43">
-            <a:extLst>
-              <a:ext uri="{FF2B5EF4-FFF2-40B4-BE49-F238E27FC236}">
-                <a16:creationId xmlns:a16="http://schemas.microsoft.com/office/drawing/2014/main" id="{67B4900C-FBF7-EBBC-91E6-62BC1E6E4B13}"/>
-              </a:ext>
-            </a:extLst>
-          </p:cNvPr>
-          <p:cNvCxnSpPr>
-            <a:cxnSpLocks/>
-            <a:stCxn id="17" idx="3"/>
-            <a:endCxn id="8" idx="1"/>
-          </p:cNvCxnSpPr>
+      <p:sp>
+        <p:nvSpPr>
+          <p:cNvPr id="42" name="TextBox 41">
+            <a:extLst>
+              <a:ext uri="{FF2B5EF4-FFF2-40B4-BE49-F238E27FC236}">
+                <a16:creationId xmlns:a16="http://schemas.microsoft.com/office/drawing/2014/main" id="{8DC96019-6A02-4763-E131-FCCEA5AAA81A}"/>
+              </a:ext>
+            </a:extLst>
+          </p:cNvPr>
+          <p:cNvSpPr txBox="1"/>
           <p:nvPr/>
-        </p:nvCxnSpPr>
-        <p:spPr>
-          <a:xfrm>
-            <a:off x="3023724" y="3336755"/>
-            <a:ext cx="4698168" cy="382629"/>
-          </a:xfrm>
-          <a:prstGeom prst="bentConnector3">
-            <a:avLst>
-              <a:gd name="adj1" fmla="val 50000"/>
-            </a:avLst>
-          </a:prstGeom>
-          <a:ln>
-            <a:solidFill>
-              <a:schemeClr val="bg1"/>
-            </a:solidFill>
-            <a:tailEnd type="triangle"/>
-          </a:ln>
-        </p:spPr>
-        <p:style>
-          <a:lnRef idx="1">
-            <a:schemeClr val="accent1"/>
-          </a:lnRef>
-          <a:fillRef idx="0">
-            <a:schemeClr val="accent1"/>
-          </a:fillRef>
-          <a:effectRef idx="0">
-            <a:schemeClr val="accent1"/>
-          </a:effectRef>
-          <a:fontRef idx="minor">
-            <a:schemeClr val="tx1"/>
-          </a:fontRef>
-        </p:style>
-      </p:cxnSp>
+        </p:nvSpPr>
+        <p:spPr>
+          <a:xfrm>
+            <a:off x="6432341" y="1355952"/>
+            <a:ext cx="5069016" cy="3970318"/>
+          </a:xfrm>
+          <a:prstGeom prst="rect">
+            <a:avLst/>
+          </a:prstGeom>
+          <a:noFill/>
+        </p:spPr>
+        <p:txBody>
+          <a:bodyPr wrap="square" rtlCol="0">
+            <a:spAutoFit/>
+          </a:bodyPr>
+          <a:lstStyle>
+            <a:defPPr>
+              <a:defRPr lang="en-US"/>
+            </a:defPPr>
+            <a:lvl1pPr>
+              <a:defRPr>
+                <a:solidFill>
+                  <a:schemeClr val="bg1"/>
+                </a:solidFill>
+                <a:latin typeface="Amazon Ember" panose="020B0603020204020204" pitchFamily="34" charset="0"/>
+                <a:ea typeface="Amazon Ember" panose="020B0603020204020204" pitchFamily="34" charset="0"/>
+                <a:cs typeface="Amazon Ember" panose="020B0603020204020204" pitchFamily="34" charset="0"/>
+              </a:defRPr>
+            </a:lvl1pPr>
+          </a:lstStyle>
+          <a:p>
+            <a:r>
+              <a:rPr lang="en-CN" dirty="0">
+                <a:solidFill>
+                  <a:schemeClr val="accent2"/>
+                </a:solidFill>
+                <a:hlinkClick r:id="rId3">
+                  <a:extLst>
+                    <a:ext uri="{A12FA001-AC4F-418D-AE19-62706E023703}">
+                      <ahyp:hlinkClr xmlns:ahyp="http://schemas.microsoft.com/office/drawing/2018/hyperlinkcolor" val="tx"/>
+                    </a:ext>
+                  </a:extLst>
+                </a:hlinkClick>
+              </a:rPr>
+              <a:t>Prometheus JMX Exporter</a:t>
+            </a:r>
+            <a:r>
+              <a:rPr lang="en-CN" dirty="0"/>
+              <a:t> is </a:t>
+            </a:r>
+            <a:r>
+              <a:rPr lang="en-US" dirty="0"/>
+              <a:t>a collector that can configurable scrape and expose </a:t>
+            </a:r>
+            <a:r>
+              <a:rPr lang="en-US" dirty="0" err="1"/>
+              <a:t>mBeans</a:t>
+            </a:r>
+            <a:r>
+              <a:rPr lang="en-US" dirty="0"/>
+              <a:t> of a JMX target. </a:t>
+            </a:r>
+          </a:p>
+          <a:p>
+            <a:endParaRPr lang="en-US" dirty="0"/>
+          </a:p>
+          <a:p>
+            <a:r>
+              <a:rPr lang="en-US" dirty="0"/>
+              <a:t>This exporter is intended to be run as a Java Agent, exposing a HTTP server and serving metrics of the local JVM.</a:t>
+            </a:r>
+          </a:p>
+          <a:p>
+            <a:endParaRPr lang="en-US" dirty="0"/>
+          </a:p>
+          <a:p>
+            <a:r>
+              <a:rPr lang="en-US" dirty="0"/>
+              <a:t>It can be also run as a standalone HTTP server and scrape remote JMX targets, but this has various disadvantages, such as being harder to configure and being unable to expose process metrics (e.g., memory and CPU usage).</a:t>
+            </a:r>
+          </a:p>
+          <a:p>
+            <a:endParaRPr lang="en-US" dirty="0"/>
+          </a:p>
+        </p:txBody>
+      </p:sp>
     </p:spTree>
+    <p:extLst>
+      <p:ext uri="{BB962C8B-B14F-4D97-AF65-F5344CB8AC3E}">
+        <p14:creationId xmlns:p14="http://schemas.microsoft.com/office/powerpoint/2010/main" val="2744078409"/>
+      </p:ext>
+    </p:extLst>
+  </p:cSld>
+  <p:clrMapOvr>
+    <a:masterClrMapping/>
+  </p:clrMapOvr>
+</p:sld>
+</file>
+
+<file path=ppt/slides/slide3.xml><?xml version="1.0" encoding="utf-8"?>
+<p:sld xmlns:a="http://schemas.openxmlformats.org/drawingml/2006/main" xmlns:r="http://schemas.openxmlformats.org/officeDocument/2006/relationships" xmlns:p="http://schemas.openxmlformats.org/presentationml/2006/main">
+  <p:cSld>
+    <p:spTree>
+      <p:nvGrpSpPr>
+        <p:cNvPr id="1" name=""/>
+        <p:cNvGrpSpPr/>
+        <p:nvPr/>
+      </p:nvGrpSpPr>
+      <p:grpSpPr>
+        <a:xfrm>
+          <a:off x="0" y="0"/>
+          <a:ext cx="0" cy="0"/>
+          <a:chOff x="0" y="0"/>
+          <a:chExt cx="0" cy="0"/>
+        </a:xfrm>
+      </p:grpSpPr>
+      <p:sp>
+        <p:nvSpPr>
+          <p:cNvPr id="2" name="Title 1">
+            <a:extLst>
+              <a:ext uri="{FF2B5EF4-FFF2-40B4-BE49-F238E27FC236}">
+                <a16:creationId xmlns:a16="http://schemas.microsoft.com/office/drawing/2014/main" id="{71BD8F22-9296-8670-D0B3-360BFFA94DC9}"/>
+              </a:ext>
+            </a:extLst>
+          </p:cNvPr>
+          <p:cNvSpPr>
+            <a:spLocks noGrp="1"/>
+          </p:cNvSpPr>
+          <p:nvPr>
+            <p:ph type="title"/>
+          </p:nvPr>
+        </p:nvSpPr>
+        <p:spPr/>
+        <p:txBody>
+          <a:bodyPr/>
+          <a:lstStyle/>
+          <a:p>
+            <a:endParaRPr lang="en-CN"/>
+          </a:p>
+        </p:txBody>
+      </p:sp>
+      <p:sp>
+        <p:nvSpPr>
+          <p:cNvPr id="3" name="Content Placeholder 2">
+            <a:extLst>
+              <a:ext uri="{FF2B5EF4-FFF2-40B4-BE49-F238E27FC236}">
+                <a16:creationId xmlns:a16="http://schemas.microsoft.com/office/drawing/2014/main" id="{0FBE3B62-EF77-9BB3-8445-E27B9DE61B83}"/>
+              </a:ext>
+            </a:extLst>
+          </p:cNvPr>
+          <p:cNvSpPr>
+            <a:spLocks noGrp="1"/>
+          </p:cNvSpPr>
+          <p:nvPr>
+            <p:ph sz="half" idx="1"/>
+          </p:nvPr>
+        </p:nvSpPr>
+        <p:spPr/>
+        <p:txBody>
+          <a:bodyPr/>
+          <a:lstStyle/>
+          <a:p>
+            <a:endParaRPr lang="en-CN"/>
+          </a:p>
+        </p:txBody>
+      </p:sp>
+      <p:sp>
+        <p:nvSpPr>
+          <p:cNvPr id="4" name="Footer Placeholder 3">
+            <a:extLst>
+              <a:ext uri="{FF2B5EF4-FFF2-40B4-BE49-F238E27FC236}">
+                <a16:creationId xmlns:a16="http://schemas.microsoft.com/office/drawing/2014/main" id="{4FEF9954-A881-8634-C57B-8C8A3E24C545}"/>
+              </a:ext>
+            </a:extLst>
+          </p:cNvPr>
+          <p:cNvSpPr>
+            <a:spLocks noGrp="1"/>
+          </p:cNvSpPr>
+          <p:nvPr>
+            <p:ph type="ftr" sz="quarter" idx="3"/>
+          </p:nvPr>
+        </p:nvSpPr>
+        <p:spPr/>
+        <p:txBody>
+          <a:bodyPr/>
+          <a:lstStyle/>
+          <a:p>
+            <a:r>
+              <a:rPr lang="en-US"/>
+              <a:t>© 202</a:t>
+            </a:r>
+            <a:r>
+              <a:rPr lang="en-US" altLang="zh-CN"/>
+              <a:t>2</a:t>
+            </a:r>
+            <a:r>
+              <a:rPr lang="en-US"/>
+              <a:t>, Amazon Web Services, Inc. or its affiliates. All rights reserved.</a:t>
+            </a:r>
+            <a:endParaRPr lang="en-US" dirty="0"/>
+          </a:p>
+        </p:txBody>
+      </p:sp>
+      <p:sp>
+        <p:nvSpPr>
+          <p:cNvPr id="5" name="Slide Number Placeholder 4">
+            <a:extLst>
+              <a:ext uri="{FF2B5EF4-FFF2-40B4-BE49-F238E27FC236}">
+                <a16:creationId xmlns:a16="http://schemas.microsoft.com/office/drawing/2014/main" id="{FDA948F3-57A2-0B36-F350-EDB746CD2A7A}"/>
+              </a:ext>
+            </a:extLst>
+          </p:cNvPr>
+          <p:cNvSpPr>
+            <a:spLocks noGrp="1"/>
+          </p:cNvSpPr>
+          <p:nvPr>
+            <p:ph type="sldNum" sz="quarter" idx="4"/>
+          </p:nvPr>
+        </p:nvSpPr>
+        <p:spPr/>
+        <p:txBody>
+          <a:bodyPr/>
+          <a:lstStyle/>
+          <a:p>
+            <a:fld id="{B1C588C1-1042-BC47-B84D-2032ED7FAC95}" type="slidenum">
+              <a:rPr lang="en-US" smtClean="0"/>
+              <a:pPr/>
+              <a:t>3</a:t>
+            </a:fld>
+            <a:endParaRPr lang="en-US" dirty="0"/>
+          </a:p>
+        </p:txBody>
+      </p:sp>
+      <p:sp>
+        <p:nvSpPr>
+          <p:cNvPr id="6" name="Content Placeholder 5">
+            <a:extLst>
+              <a:ext uri="{FF2B5EF4-FFF2-40B4-BE49-F238E27FC236}">
+                <a16:creationId xmlns:a16="http://schemas.microsoft.com/office/drawing/2014/main" id="{A777232A-304C-D744-EDAA-3445D848DAEE}"/>
+              </a:ext>
+            </a:extLst>
+          </p:cNvPr>
+          <p:cNvSpPr>
+            <a:spLocks noGrp="1"/>
+          </p:cNvSpPr>
+          <p:nvPr>
+            <p:ph sz="half" idx="10"/>
+          </p:nvPr>
+        </p:nvSpPr>
+        <p:spPr/>
+        <p:txBody>
+          <a:bodyPr/>
+          <a:lstStyle/>
+          <a:p>
+            <a:endParaRPr lang="en-CN"/>
+          </a:p>
+        </p:txBody>
+      </p:sp>
+      <p:sp>
+        <p:nvSpPr>
+          <p:cNvPr id="7" name="Content Placeholder 6">
+            <a:extLst>
+              <a:ext uri="{FF2B5EF4-FFF2-40B4-BE49-F238E27FC236}">
+                <a16:creationId xmlns:a16="http://schemas.microsoft.com/office/drawing/2014/main" id="{478A4A0C-081D-9E96-F97C-A86CCA618919}"/>
+              </a:ext>
+            </a:extLst>
+          </p:cNvPr>
+          <p:cNvSpPr>
+            <a:spLocks noGrp="1"/>
+          </p:cNvSpPr>
+          <p:nvPr>
+            <p:ph sz="half" idx="11"/>
+          </p:nvPr>
+        </p:nvSpPr>
+        <p:spPr/>
+        <p:txBody>
+          <a:bodyPr/>
+          <a:lstStyle/>
+          <a:p>
+            <a:endParaRPr lang="en-CN"/>
+          </a:p>
+        </p:txBody>
+      </p:sp>
+      <p:sp>
+        <p:nvSpPr>
+          <p:cNvPr id="8" name="Content Placeholder 7">
+            <a:extLst>
+              <a:ext uri="{FF2B5EF4-FFF2-40B4-BE49-F238E27FC236}">
+                <a16:creationId xmlns:a16="http://schemas.microsoft.com/office/drawing/2014/main" id="{454EB129-6343-F4E3-E3AD-1FB296454754}"/>
+              </a:ext>
+            </a:extLst>
+          </p:cNvPr>
+          <p:cNvSpPr>
+            <a:spLocks noGrp="1"/>
+          </p:cNvSpPr>
+          <p:nvPr>
+            <p:ph sz="half" idx="12"/>
+          </p:nvPr>
+        </p:nvSpPr>
+        <p:spPr/>
+        <p:txBody>
+          <a:bodyPr/>
+          <a:lstStyle/>
+          <a:p>
+            <a:endParaRPr lang="en-CN"/>
+          </a:p>
+        </p:txBody>
+      </p:sp>
+    </p:spTree>
+    <p:extLst>
+      <p:ext uri="{BB962C8B-B14F-4D97-AF65-F5344CB8AC3E}">
+        <p14:creationId xmlns:p14="http://schemas.microsoft.com/office/powerpoint/2010/main" val="601904525"/>
+      </p:ext>
+    </p:extLst>
   </p:cSld>
   <p:clrMapOvr>
     <a:masterClrMapping/>
